--- a/docs/slide.pptx
+++ b/docs/slide.pptx
@@ -6,8 +6,9 @@
   </p:sldMasterIdLst>
   <p:sldIdLst>
     <p:sldId id="256" r:id="rId2"/>
-    <p:sldId id="257" r:id="rId3"/>
-    <p:sldId id="258" r:id="rId4"/>
+    <p:sldId id="259" r:id="rId3"/>
+    <p:sldId id="257" r:id="rId4"/>
+    <p:sldId id="258" r:id="rId5"/>
   </p:sldIdLst>
   <p:sldSz cx="12192000" cy="6858000"/>
   <p:notesSz cx="6858000" cy="9144000"/>
@@ -106,6 +107,11 @@
       </a:defRPr>
     </a:lvl9pPr>
   </p:defaultTextStyle>
+  <p:extLst>
+    <p:ext uri="{EFAFB233-063F-42B5-8137-9DF3F51BA10A}">
+      <p15:sldGuideLst xmlns:p15="http://schemas.microsoft.com/office/powerpoint/2012/main"/>
+    </p:ext>
+  </p:extLst>
 </p:presentation>
 </file>
 
@@ -256,7 +262,7 @@
           <a:p>
             <a:fld id="{9ABC01B4-603B-41CF-9446-2DD65347BF34}" type="datetimeFigureOut">
               <a:rPr lang="zh-CN" altLang="en-US" smtClean="0"/>
-              <a:t>2020/10/14</a:t>
+              <a:t>2020/10/17</a:t>
             </a:fld>
             <a:endParaRPr lang="zh-CN" altLang="en-US"/>
           </a:p>
@@ -454,7 +460,7 @@
           <a:p>
             <a:fld id="{9ABC01B4-603B-41CF-9446-2DD65347BF34}" type="datetimeFigureOut">
               <a:rPr lang="zh-CN" altLang="en-US" smtClean="0"/>
-              <a:t>2020/10/14</a:t>
+              <a:t>2020/10/17</a:t>
             </a:fld>
             <a:endParaRPr lang="zh-CN" altLang="en-US"/>
           </a:p>
@@ -662,7 +668,7 @@
           <a:p>
             <a:fld id="{9ABC01B4-603B-41CF-9446-2DD65347BF34}" type="datetimeFigureOut">
               <a:rPr lang="zh-CN" altLang="en-US" smtClean="0"/>
-              <a:t>2020/10/14</a:t>
+              <a:t>2020/10/17</a:t>
             </a:fld>
             <a:endParaRPr lang="zh-CN" altLang="en-US"/>
           </a:p>
@@ -860,7 +866,7 @@
           <a:p>
             <a:fld id="{9ABC01B4-603B-41CF-9446-2DD65347BF34}" type="datetimeFigureOut">
               <a:rPr lang="zh-CN" altLang="en-US" smtClean="0"/>
-              <a:t>2020/10/14</a:t>
+              <a:t>2020/10/17</a:t>
             </a:fld>
             <a:endParaRPr lang="zh-CN" altLang="en-US"/>
           </a:p>
@@ -1135,7 +1141,7 @@
           <a:p>
             <a:fld id="{9ABC01B4-603B-41CF-9446-2DD65347BF34}" type="datetimeFigureOut">
               <a:rPr lang="zh-CN" altLang="en-US" smtClean="0"/>
-              <a:t>2020/10/14</a:t>
+              <a:t>2020/10/17</a:t>
             </a:fld>
             <a:endParaRPr lang="zh-CN" altLang="en-US"/>
           </a:p>
@@ -1400,7 +1406,7 @@
           <a:p>
             <a:fld id="{9ABC01B4-603B-41CF-9446-2DD65347BF34}" type="datetimeFigureOut">
               <a:rPr lang="zh-CN" altLang="en-US" smtClean="0"/>
-              <a:t>2020/10/14</a:t>
+              <a:t>2020/10/17</a:t>
             </a:fld>
             <a:endParaRPr lang="zh-CN" altLang="en-US"/>
           </a:p>
@@ -1812,7 +1818,7 @@
           <a:p>
             <a:fld id="{9ABC01B4-603B-41CF-9446-2DD65347BF34}" type="datetimeFigureOut">
               <a:rPr lang="zh-CN" altLang="en-US" smtClean="0"/>
-              <a:t>2020/10/14</a:t>
+              <a:t>2020/10/17</a:t>
             </a:fld>
             <a:endParaRPr lang="zh-CN" altLang="en-US"/>
           </a:p>
@@ -1953,7 +1959,7 @@
           <a:p>
             <a:fld id="{9ABC01B4-603B-41CF-9446-2DD65347BF34}" type="datetimeFigureOut">
               <a:rPr lang="zh-CN" altLang="en-US" smtClean="0"/>
-              <a:t>2020/10/14</a:t>
+              <a:t>2020/10/17</a:t>
             </a:fld>
             <a:endParaRPr lang="zh-CN" altLang="en-US"/>
           </a:p>
@@ -2066,7 +2072,7 @@
           <a:p>
             <a:fld id="{9ABC01B4-603B-41CF-9446-2DD65347BF34}" type="datetimeFigureOut">
               <a:rPr lang="zh-CN" altLang="en-US" smtClean="0"/>
-              <a:t>2020/10/14</a:t>
+              <a:t>2020/10/17</a:t>
             </a:fld>
             <a:endParaRPr lang="zh-CN" altLang="en-US"/>
           </a:p>
@@ -2377,7 +2383,7 @@
           <a:p>
             <a:fld id="{9ABC01B4-603B-41CF-9446-2DD65347BF34}" type="datetimeFigureOut">
               <a:rPr lang="zh-CN" altLang="en-US" smtClean="0"/>
-              <a:t>2020/10/14</a:t>
+              <a:t>2020/10/17</a:t>
             </a:fld>
             <a:endParaRPr lang="zh-CN" altLang="en-US"/>
           </a:p>
@@ -2665,7 +2671,7 @@
           <a:p>
             <a:fld id="{9ABC01B4-603B-41CF-9446-2DD65347BF34}" type="datetimeFigureOut">
               <a:rPr lang="zh-CN" altLang="en-US" smtClean="0"/>
-              <a:t>2020/10/14</a:t>
+              <a:t>2020/10/17</a:t>
             </a:fld>
             <a:endParaRPr lang="zh-CN" altLang="en-US"/>
           </a:p>
@@ -2906,7 +2912,7 @@
           <a:p>
             <a:fld id="{9ABC01B4-603B-41CF-9446-2DD65347BF34}" type="datetimeFigureOut">
               <a:rPr lang="zh-CN" altLang="en-US" smtClean="0"/>
-              <a:t>2020/10/14</a:t>
+              <a:t>2020/10/17</a:t>
             </a:fld>
             <a:endParaRPr lang="zh-CN" altLang="en-US"/>
           </a:p>
@@ -3341,7 +3347,7 @@
           <a:blip r:embed="rId2">
             <a:extLst>
               <a:ext uri="{28A0092B-C50C-407E-A947-70E740481C1C}">
-                <a14:useLocalDpi xmlns:a14="http://schemas.microsoft.com/office/drawing/2010/main" val="0"/>
+                <a14:useLocalDpi xmlns:a14="http://schemas.microsoft.com/office/drawing/2010/main"/>
               </a:ext>
             </a:extLst>
           </a:blip>
@@ -3770,10 +3776,10 @@
       </p:grpSpPr>
       <p:pic>
         <p:nvPicPr>
-          <p:cNvPr id="5" name="图片 4" descr="图形用户界面, 文本, 应用程序, 电子邮件&#10;&#10;描述已自动生成">
-            <a:extLst>
-              <a:ext uri="{FF2B5EF4-FFF2-40B4-BE49-F238E27FC236}">
-                <a16:creationId xmlns:a16="http://schemas.microsoft.com/office/drawing/2014/main" id="{CC4A9BB1-AE03-4139-820D-F023EA0C2FA1}"/>
+          <p:cNvPr id="20" name="图片 19" descr="图形用户界面&#10;&#10;描述已自动生成">
+            <a:extLst>
+              <a:ext uri="{FF2B5EF4-FFF2-40B4-BE49-F238E27FC236}">
+                <a16:creationId xmlns:a16="http://schemas.microsoft.com/office/drawing/2014/main" id="{042457BF-F556-4A8E-9895-FFB7084F2AB7}"/>
               </a:ext>
             </a:extLst>
           </p:cNvPr>
@@ -3786,7 +3792,7 @@
           <a:blip r:embed="rId2">
             <a:extLst>
               <a:ext uri="{28A0092B-C50C-407E-A947-70E740481C1C}">
-                <a14:useLocalDpi xmlns:a14="http://schemas.microsoft.com/office/drawing/2010/main" val="0"/>
+                <a14:useLocalDpi xmlns:a14="http://schemas.microsoft.com/office/drawing/2010/main"/>
               </a:ext>
             </a:extLst>
           </a:blip>
@@ -3796,8 +3802,8 @@
         </p:blipFill>
         <p:spPr>
           <a:xfrm>
-            <a:off x="1998157" y="2055744"/>
-            <a:ext cx="7609821" cy="2689080"/>
+            <a:off x="3065006" y="756875"/>
+            <a:ext cx="6358160" cy="4904162"/>
           </a:xfrm>
           <a:prstGeom prst="rect">
             <a:avLst/>
@@ -3806,10 +3812,10 @@
       </p:pic>
       <p:cxnSp>
         <p:nvCxnSpPr>
-          <p:cNvPr id="6" name="直接箭头连接符 5">
-            <a:extLst>
-              <a:ext uri="{FF2B5EF4-FFF2-40B4-BE49-F238E27FC236}">
-                <a16:creationId xmlns:a16="http://schemas.microsoft.com/office/drawing/2014/main" id="{73D8AA78-9225-4B56-A758-1FBE0F401485}"/>
+          <p:cNvPr id="7" name="直接箭头连接符 6">
+            <a:extLst>
+              <a:ext uri="{FF2B5EF4-FFF2-40B4-BE49-F238E27FC236}">
+                <a16:creationId xmlns:a16="http://schemas.microsoft.com/office/drawing/2014/main" id="{DE374EBD-2EDE-4CD8-A9F7-5A0580C7F3A5}"/>
               </a:ext>
             </a:extLst>
           </p:cNvPr>
@@ -3819,9 +3825,9 @@
           <p:nvPr/>
         </p:nvCxnSpPr>
         <p:spPr>
-          <a:xfrm>
-            <a:off x="1542996" y="1244055"/>
-            <a:ext cx="1041026" cy="978732"/>
+          <a:xfrm flipH="1" flipV="1">
+            <a:off x="1826771" y="1644616"/>
+            <a:ext cx="1469778" cy="294069"/>
           </a:xfrm>
           <a:prstGeom prst="straightConnector1">
             <a:avLst/>
@@ -3832,13 +3838,13 @@
         </p:spPr>
         <p:style>
           <a:lnRef idx="3">
-            <a:schemeClr val="accent1"/>
+            <a:schemeClr val="accent4"/>
           </a:lnRef>
           <a:fillRef idx="0">
-            <a:schemeClr val="accent1"/>
+            <a:schemeClr val="accent4"/>
           </a:fillRef>
           <a:effectRef idx="2">
-            <a:schemeClr val="accent1"/>
+            <a:schemeClr val="accent4"/>
           </a:effectRef>
           <a:fontRef idx="minor">
             <a:schemeClr val="tx1"/>
@@ -3847,10 +3853,10 @@
       </p:cxnSp>
       <p:sp>
         <p:nvSpPr>
-          <p:cNvPr id="7" name="文本框 6">
-            <a:extLst>
-              <a:ext uri="{FF2B5EF4-FFF2-40B4-BE49-F238E27FC236}">
-                <a16:creationId xmlns:a16="http://schemas.microsoft.com/office/drawing/2014/main" id="{755E5170-794F-47FC-8154-714F2201C744}"/>
+          <p:cNvPr id="8" name="文本框 7">
+            <a:extLst>
+              <a:ext uri="{FF2B5EF4-FFF2-40B4-BE49-F238E27FC236}">
+                <a16:creationId xmlns:a16="http://schemas.microsoft.com/office/drawing/2014/main" id="{05B4092E-9AC4-4B45-A859-C2015363F716}"/>
               </a:ext>
             </a:extLst>
           </p:cNvPr>
@@ -3859,8 +3865,8 @@
         </p:nvSpPr>
         <p:spPr>
           <a:xfrm>
-            <a:off x="568394" y="482055"/>
-            <a:ext cx="6186309" cy="369332"/>
+            <a:off x="355080" y="649503"/>
+            <a:ext cx="1983901" cy="1061829"/>
           </a:xfrm>
           <a:prstGeom prst="rect">
             <a:avLst/>
@@ -3868,24 +3874,94 @@
           <a:noFill/>
         </p:spPr>
         <p:txBody>
-          <a:bodyPr wrap="none" rtlCol="0">
+          <a:bodyPr wrap="square" rtlCol="0">
             <a:spAutoFit/>
           </a:bodyPr>
           <a:lstStyle/>
           <a:p>
             <a:r>
-              <a:rPr lang="zh-CN" altLang="en-US" dirty="0"/>
-              <a:t>角度滤波，越大相应越慢越稳定。越小相应越快越容易抖动</a:t>
+              <a:rPr lang="zh-CN" altLang="en-US" sz="1050" dirty="0"/>
+              <a:t>启用内置的</a:t>
+            </a:r>
+            <a:r>
+              <a:rPr lang="en-US" altLang="zh-CN" sz="1050" dirty="0"/>
+              <a:t>EKF</a:t>
+            </a:r>
+            <a:r>
+              <a:rPr lang="zh-CN" altLang="en-US" sz="1050" dirty="0"/>
+              <a:t>，这会极大的减小震动，同时导致明显的延迟感。</a:t>
+            </a:r>
+            <a:endParaRPr lang="en-US" altLang="zh-CN" sz="1050" dirty="0"/>
+          </a:p>
+          <a:p>
+            <a:r>
+              <a:rPr lang="zh-CN" altLang="en-US" sz="1050" dirty="0"/>
+              <a:t>开启关闭后请调节</a:t>
+            </a:r>
+            <a:r>
+              <a:rPr lang="en-US" altLang="zh-CN" sz="1050" dirty="0" err="1"/>
+              <a:t>EKFConfig</a:t>
+            </a:r>
+            <a:r>
+              <a:rPr lang="zh-CN" altLang="en-US" sz="1050" dirty="0"/>
+              <a:t>页面的相关设置和</a:t>
+            </a:r>
+            <a:r>
+              <a:rPr lang="en-US" altLang="zh-CN" sz="1050" dirty="0" err="1"/>
+              <a:t>Opentrack</a:t>
+            </a:r>
+            <a:r>
+              <a:rPr lang="zh-CN" altLang="en-US" sz="1050" dirty="0"/>
+              <a:t>的滤波器。</a:t>
+            </a:r>
+          </a:p>
+        </p:txBody>
+      </p:sp>
+      <p:sp>
+        <p:nvSpPr>
+          <p:cNvPr id="13" name="文本框 12">
+            <a:extLst>
+              <a:ext uri="{FF2B5EF4-FFF2-40B4-BE49-F238E27FC236}">
+                <a16:creationId xmlns:a16="http://schemas.microsoft.com/office/drawing/2014/main" id="{22AED21C-4954-4349-9E51-215A075BDB76}"/>
+              </a:ext>
+            </a:extLst>
+          </p:cNvPr>
+          <p:cNvSpPr txBox="1"/>
+          <p:nvPr/>
+        </p:nvSpPr>
+        <p:spPr>
+          <a:xfrm>
+            <a:off x="588668" y="3396870"/>
+            <a:ext cx="2185927" cy="461665"/>
+          </a:xfrm>
+          <a:prstGeom prst="rect">
+            <a:avLst/>
+          </a:prstGeom>
+          <a:noFill/>
+        </p:spPr>
+        <p:txBody>
+          <a:bodyPr wrap="square" rtlCol="0">
+            <a:spAutoFit/>
+          </a:bodyPr>
+          <a:lstStyle/>
+          <a:p>
+            <a:r>
+              <a:rPr lang="zh-CN" altLang="en-US" sz="1200" dirty="0">
+                <a:solidFill>
+                  <a:schemeClr val="bg1"/>
+                </a:solidFill>
+              </a:rPr>
+              <a:t>直接控制游戏，目前不推荐开启</a:t>
             </a:r>
           </a:p>
         </p:txBody>
       </p:sp>
       <p:cxnSp>
         <p:nvCxnSpPr>
-          <p:cNvPr id="9" name="直接箭头连接符 8">
-            <a:extLst>
-              <a:ext uri="{FF2B5EF4-FFF2-40B4-BE49-F238E27FC236}">
-                <a16:creationId xmlns:a16="http://schemas.microsoft.com/office/drawing/2014/main" id="{C109FED3-B22B-4E99-9F81-21D8DEE98B34}"/>
+          <p:cNvPr id="14" name="直接箭头连接符 13">
+            <a:extLst>
+              <a:ext uri="{FF2B5EF4-FFF2-40B4-BE49-F238E27FC236}">
+                <a16:creationId xmlns:a16="http://schemas.microsoft.com/office/drawing/2014/main" id="{AEC35BEC-334B-4B25-86B4-6ABD484C927B}"/>
               </a:ext>
             </a:extLst>
           </p:cNvPr>
@@ -3895,9 +3971,9 @@
           <p:nvPr/>
         </p:nvCxnSpPr>
         <p:spPr>
-          <a:xfrm flipV="1">
-            <a:off x="1125370" y="4158677"/>
-            <a:ext cx="1197725" cy="953074"/>
+          <a:xfrm flipH="1" flipV="1">
+            <a:off x="1826771" y="2189851"/>
+            <a:ext cx="1516217" cy="156325"/>
           </a:xfrm>
           <a:prstGeom prst="straightConnector1">
             <a:avLst/>
@@ -3908,13 +3984,13 @@
         </p:spPr>
         <p:style>
           <a:lnRef idx="3">
-            <a:schemeClr val="accent1"/>
+            <a:schemeClr val="accent4"/>
           </a:lnRef>
           <a:fillRef idx="0">
-            <a:schemeClr val="accent1"/>
+            <a:schemeClr val="accent4"/>
           </a:fillRef>
           <a:effectRef idx="2">
-            <a:schemeClr val="accent1"/>
+            <a:schemeClr val="accent4"/>
           </a:effectRef>
           <a:fontRef idx="minor">
             <a:schemeClr val="tx1"/>
@@ -3923,10 +3999,10 @@
       </p:cxnSp>
       <p:sp>
         <p:nvSpPr>
-          <p:cNvPr id="12" name="文本框 11">
-            <a:extLst>
-              <a:ext uri="{FF2B5EF4-FFF2-40B4-BE49-F238E27FC236}">
-                <a16:creationId xmlns:a16="http://schemas.microsoft.com/office/drawing/2014/main" id="{2BACF469-7501-4712-B748-1E19B8ACA36C}"/>
+          <p:cNvPr id="16" name="文本框 15">
+            <a:extLst>
+              <a:ext uri="{FF2B5EF4-FFF2-40B4-BE49-F238E27FC236}">
+                <a16:creationId xmlns:a16="http://schemas.microsoft.com/office/drawing/2014/main" id="{418A1290-3734-4162-8653-905AF9DEF7EA}"/>
               </a:ext>
             </a:extLst>
           </p:cNvPr>
@@ -3935,8 +4011,8 @@
         </p:nvSpPr>
         <p:spPr>
           <a:xfrm>
-            <a:off x="489865" y="5230877"/>
-            <a:ext cx="1107996" cy="369332"/>
+            <a:off x="140952" y="1871969"/>
+            <a:ext cx="1983901" cy="415498"/>
           </a:xfrm>
           <a:prstGeom prst="rect">
             <a:avLst/>
@@ -3944,22 +4020,552 @@
           <a:noFill/>
         </p:spPr>
         <p:txBody>
-          <a:bodyPr wrap="none" rtlCol="0">
+          <a:bodyPr wrap="square" rtlCol="0">
             <a:spAutoFit/>
           </a:bodyPr>
           <a:lstStyle/>
           <a:p>
             <a:r>
-              <a:rPr lang="zh-CN" altLang="en-US" dirty="0"/>
-              <a:t>位置滤波</a:t>
-            </a:r>
+              <a:rPr lang="zh-CN" altLang="en-US" sz="1050" dirty="0"/>
+              <a:t>是否发送</a:t>
+            </a:r>
+            <a:r>
+              <a:rPr lang="en-US" altLang="zh-CN" sz="1050" dirty="0"/>
+              <a:t>UDP</a:t>
+            </a:r>
+            <a:r>
+              <a:rPr lang="zh-CN" altLang="en-US" sz="1050" dirty="0"/>
+              <a:t>和对应的</a:t>
+            </a:r>
+            <a:r>
+              <a:rPr lang="en-US" altLang="zh-CN" sz="1050" dirty="0"/>
+              <a:t>IP</a:t>
+            </a:r>
+            <a:r>
+              <a:rPr lang="zh-CN" altLang="en-US" sz="1050" dirty="0"/>
+              <a:t>地址以及端口。</a:t>
+            </a:r>
+          </a:p>
+        </p:txBody>
+      </p:sp>
+      <p:cxnSp>
+        <p:nvCxnSpPr>
+          <p:cNvPr id="17" name="直接箭头连接符 16">
+            <a:extLst>
+              <a:ext uri="{FF2B5EF4-FFF2-40B4-BE49-F238E27FC236}">
+                <a16:creationId xmlns:a16="http://schemas.microsoft.com/office/drawing/2014/main" id="{E929065E-ED41-41FC-8FD8-C7CBA341A4B4}"/>
+              </a:ext>
+            </a:extLst>
+          </p:cNvPr>
+          <p:cNvCxnSpPr>
+            <a:cxnSpLocks/>
+          </p:cNvCxnSpPr>
+          <p:nvPr/>
+        </p:nvCxnSpPr>
+        <p:spPr>
+          <a:xfrm flipH="1" flipV="1">
+            <a:off x="2233020" y="2888405"/>
+            <a:ext cx="1072440" cy="45393"/>
+          </a:xfrm>
+          <a:prstGeom prst="straightConnector1">
+            <a:avLst/>
+          </a:prstGeom>
+          <a:ln>
+            <a:tailEnd type="triangle"/>
+          </a:ln>
+        </p:spPr>
+        <p:style>
+          <a:lnRef idx="3">
+            <a:schemeClr val="accent4"/>
+          </a:lnRef>
+          <a:fillRef idx="0">
+            <a:schemeClr val="accent4"/>
+          </a:fillRef>
+          <a:effectRef idx="2">
+            <a:schemeClr val="accent4"/>
+          </a:effectRef>
+          <a:fontRef idx="minor">
+            <a:schemeClr val="tx1"/>
+          </a:fontRef>
+        </p:style>
+      </p:cxnSp>
+      <p:sp>
+        <p:nvSpPr>
+          <p:cNvPr id="18" name="文本框 17">
+            <a:extLst>
+              <a:ext uri="{FF2B5EF4-FFF2-40B4-BE49-F238E27FC236}">
+                <a16:creationId xmlns:a16="http://schemas.microsoft.com/office/drawing/2014/main" id="{611E1312-D36D-48EE-B205-02A29176368B}"/>
+              </a:ext>
+            </a:extLst>
+          </p:cNvPr>
+          <p:cNvSpPr txBox="1"/>
+          <p:nvPr/>
+        </p:nvSpPr>
+        <p:spPr>
+          <a:xfrm>
+            <a:off x="210938" y="2502191"/>
+            <a:ext cx="1983901" cy="738664"/>
+          </a:xfrm>
+          <a:prstGeom prst="rect">
+            <a:avLst/>
+          </a:prstGeom>
+          <a:noFill/>
+        </p:spPr>
+        <p:txBody>
+          <a:bodyPr wrap="square" rtlCol="0">
+            <a:spAutoFit/>
+          </a:bodyPr>
+          <a:lstStyle/>
+          <a:p>
+            <a:r>
+              <a:rPr lang="zh-CN" altLang="en-US" sz="1050" dirty="0"/>
+              <a:t>重识别的间隔，如果</a:t>
+            </a:r>
+            <a:r>
+              <a:rPr lang="en-US" altLang="zh-CN" sz="1050" dirty="0"/>
+              <a:t>CPU</a:t>
+            </a:r>
+            <a:r>
+              <a:rPr lang="zh-CN" altLang="en-US" sz="1050" dirty="0"/>
+              <a:t>富裕可以适度开小到</a:t>
+            </a:r>
+            <a:r>
+              <a:rPr lang="en-US" altLang="zh-CN" sz="1050" dirty="0"/>
+              <a:t>1</a:t>
+            </a:r>
+            <a:r>
+              <a:rPr lang="zh-CN" altLang="en-US" sz="1050" dirty="0"/>
+              <a:t>，反之如果占用过大可以适度增加。对精度有一定影响。</a:t>
+            </a:r>
+          </a:p>
+        </p:txBody>
+      </p:sp>
+      <p:cxnSp>
+        <p:nvCxnSpPr>
+          <p:cNvPr id="24" name="直接箭头连接符 23">
+            <a:extLst>
+              <a:ext uri="{FF2B5EF4-FFF2-40B4-BE49-F238E27FC236}">
+                <a16:creationId xmlns:a16="http://schemas.microsoft.com/office/drawing/2014/main" id="{4D8D1C25-7AF0-4A9E-AC91-FAE94644B064}"/>
+              </a:ext>
+            </a:extLst>
+          </p:cNvPr>
+          <p:cNvCxnSpPr>
+            <a:cxnSpLocks/>
+            <a:endCxn id="25" idx="3"/>
+          </p:cNvCxnSpPr>
+          <p:nvPr/>
+        </p:nvCxnSpPr>
+        <p:spPr>
+          <a:xfrm flipH="1">
+            <a:off x="2194839" y="3398791"/>
+            <a:ext cx="1148072" cy="402444"/>
+          </a:xfrm>
+          <a:prstGeom prst="straightConnector1">
+            <a:avLst/>
+          </a:prstGeom>
+          <a:ln>
+            <a:tailEnd type="triangle"/>
+          </a:ln>
+        </p:spPr>
+        <p:style>
+          <a:lnRef idx="3">
+            <a:schemeClr val="accent4"/>
+          </a:lnRef>
+          <a:fillRef idx="0">
+            <a:schemeClr val="accent4"/>
+          </a:fillRef>
+          <a:effectRef idx="2">
+            <a:schemeClr val="accent4"/>
+          </a:effectRef>
+          <a:fontRef idx="minor">
+            <a:schemeClr val="tx1"/>
+          </a:fontRef>
+        </p:style>
+      </p:cxnSp>
+      <p:sp>
+        <p:nvSpPr>
+          <p:cNvPr id="25" name="文本框 24">
+            <a:extLst>
+              <a:ext uri="{FF2B5EF4-FFF2-40B4-BE49-F238E27FC236}">
+                <a16:creationId xmlns:a16="http://schemas.microsoft.com/office/drawing/2014/main" id="{FB985E39-DC38-41A3-AB76-0481EFFB5B23}"/>
+              </a:ext>
+            </a:extLst>
+          </p:cNvPr>
+          <p:cNvSpPr txBox="1"/>
+          <p:nvPr/>
+        </p:nvSpPr>
+        <p:spPr>
+          <a:xfrm>
+            <a:off x="210938" y="3512694"/>
+            <a:ext cx="1983901" cy="577081"/>
+          </a:xfrm>
+          <a:prstGeom prst="rect">
+            <a:avLst/>
+          </a:prstGeom>
+          <a:noFill/>
+        </p:spPr>
+        <p:txBody>
+          <a:bodyPr wrap="square" rtlCol="0">
+            <a:spAutoFit/>
+          </a:bodyPr>
+          <a:lstStyle/>
+          <a:p>
+            <a:r>
+              <a:rPr lang="en-US" altLang="zh-CN" sz="1050" dirty="0"/>
+              <a:t>FSA/PnP</a:t>
+            </a:r>
+            <a:r>
+              <a:rPr lang="zh-CN" altLang="en-US" sz="1050" dirty="0"/>
+              <a:t>的混合率。仅在非</a:t>
+            </a:r>
+            <a:r>
+              <a:rPr lang="en-US" altLang="zh-CN" sz="1050" dirty="0"/>
+              <a:t>EKF</a:t>
+            </a:r>
+            <a:r>
+              <a:rPr lang="zh-CN" altLang="en-US" sz="1050" dirty="0"/>
+              <a:t>模式有效，两个模型对光照摄像头适应不同。请酌情调整。</a:t>
+            </a:r>
+          </a:p>
+        </p:txBody>
+      </p:sp>
+      <p:cxnSp>
+        <p:nvCxnSpPr>
+          <p:cNvPr id="28" name="直接箭头连接符 27">
+            <a:extLst>
+              <a:ext uri="{FF2B5EF4-FFF2-40B4-BE49-F238E27FC236}">
+                <a16:creationId xmlns:a16="http://schemas.microsoft.com/office/drawing/2014/main" id="{D005D0F0-1EA8-4E02-8D70-A5FECA11AAAD}"/>
+              </a:ext>
+            </a:extLst>
+          </p:cNvPr>
+          <p:cNvCxnSpPr>
+            <a:cxnSpLocks/>
+            <a:endCxn id="31" idx="3"/>
+          </p:cNvCxnSpPr>
+          <p:nvPr/>
+        </p:nvCxnSpPr>
+        <p:spPr>
+          <a:xfrm flipH="1">
+            <a:off x="2234738" y="3895781"/>
+            <a:ext cx="1070722" cy="613648"/>
+          </a:xfrm>
+          <a:prstGeom prst="straightConnector1">
+            <a:avLst/>
+          </a:prstGeom>
+          <a:ln>
+            <a:tailEnd type="triangle"/>
+          </a:ln>
+        </p:spPr>
+        <p:style>
+          <a:lnRef idx="3">
+            <a:schemeClr val="accent4"/>
+          </a:lnRef>
+          <a:fillRef idx="0">
+            <a:schemeClr val="accent4"/>
+          </a:fillRef>
+          <a:effectRef idx="2">
+            <a:schemeClr val="accent4"/>
+          </a:effectRef>
+          <a:fontRef idx="minor">
+            <a:schemeClr val="tx1"/>
+          </a:fontRef>
+        </p:style>
+      </p:cxnSp>
+      <p:sp>
+        <p:nvSpPr>
+          <p:cNvPr id="31" name="文本框 30">
+            <a:extLst>
+              <a:ext uri="{FF2B5EF4-FFF2-40B4-BE49-F238E27FC236}">
+                <a16:creationId xmlns:a16="http://schemas.microsoft.com/office/drawing/2014/main" id="{87D8691C-3E48-4A0A-A593-B3348550584A}"/>
+              </a:ext>
+            </a:extLst>
+          </p:cNvPr>
+          <p:cNvSpPr txBox="1"/>
+          <p:nvPr/>
+        </p:nvSpPr>
+        <p:spPr>
+          <a:xfrm>
+            <a:off x="250837" y="4220888"/>
+            <a:ext cx="1983901" cy="577081"/>
+          </a:xfrm>
+          <a:prstGeom prst="rect">
+            <a:avLst/>
+          </a:prstGeom>
+          <a:noFill/>
+        </p:spPr>
+        <p:txBody>
+          <a:bodyPr wrap="square" rtlCol="0">
+            <a:spAutoFit/>
+          </a:bodyPr>
+          <a:lstStyle/>
+          <a:p>
+            <a:r>
+              <a:rPr lang="en-US" altLang="zh-CN" sz="1050" dirty="0"/>
+              <a:t>FSA</a:t>
+            </a:r>
+            <a:r>
+              <a:rPr lang="zh-CN" altLang="en-US" sz="1050" dirty="0"/>
+              <a:t>和</a:t>
+            </a:r>
+            <a:r>
+              <a:rPr lang="en-US" altLang="zh-CN" sz="1050" dirty="0"/>
+              <a:t>PnP</a:t>
+            </a:r>
+            <a:r>
+              <a:rPr lang="zh-CN" altLang="en-US" sz="1050" dirty="0"/>
+              <a:t>方法的修正，如果屏幕上的细坐标轴和粗坐标轴有明显俯仰误差在这里修正。</a:t>
+            </a:r>
+          </a:p>
+        </p:txBody>
+      </p:sp>
+      <p:sp>
+        <p:nvSpPr>
+          <p:cNvPr id="33" name="文本框 32">
+            <a:extLst>
+              <a:ext uri="{FF2B5EF4-FFF2-40B4-BE49-F238E27FC236}">
+                <a16:creationId xmlns:a16="http://schemas.microsoft.com/office/drawing/2014/main" id="{AFE835A3-E08B-4797-90EC-7576599B17B8}"/>
+              </a:ext>
+            </a:extLst>
+          </p:cNvPr>
+          <p:cNvSpPr txBox="1"/>
+          <p:nvPr/>
+        </p:nvSpPr>
+        <p:spPr>
+          <a:xfrm>
+            <a:off x="355081" y="5128262"/>
+            <a:ext cx="2413754" cy="577081"/>
+          </a:xfrm>
+          <a:prstGeom prst="rect">
+            <a:avLst/>
+          </a:prstGeom>
+          <a:noFill/>
+        </p:spPr>
+        <p:txBody>
+          <a:bodyPr wrap="square" rtlCol="0">
+            <a:spAutoFit/>
+          </a:bodyPr>
+          <a:lstStyle/>
+          <a:p>
+            <a:r>
+              <a:rPr lang="en-US" altLang="zh-CN" sz="1050" dirty="0"/>
+              <a:t>Landmark</a:t>
+            </a:r>
+            <a:r>
+              <a:rPr lang="zh-CN" altLang="en-US" sz="1050" dirty="0"/>
+              <a:t>方法使用的模型。坐标速度快精确度低，右边精度高速度慢。推荐使用第二档即可。</a:t>
+            </a:r>
+            <a:endParaRPr lang="en-US" altLang="zh-CN" sz="1050" dirty="0"/>
+          </a:p>
+        </p:txBody>
+      </p:sp>
+      <p:cxnSp>
+        <p:nvCxnSpPr>
+          <p:cNvPr id="34" name="直接箭头连接符 33">
+            <a:extLst>
+              <a:ext uri="{FF2B5EF4-FFF2-40B4-BE49-F238E27FC236}">
+                <a16:creationId xmlns:a16="http://schemas.microsoft.com/office/drawing/2014/main" id="{3C6BE13E-94FB-42AC-9141-769AD2640842}"/>
+              </a:ext>
+            </a:extLst>
+          </p:cNvPr>
+          <p:cNvCxnSpPr>
+            <a:cxnSpLocks/>
+          </p:cNvCxnSpPr>
+          <p:nvPr/>
+        </p:nvCxnSpPr>
+        <p:spPr>
+          <a:xfrm flipH="1">
+            <a:off x="2873772" y="4624719"/>
+            <a:ext cx="1070722" cy="613648"/>
+          </a:xfrm>
+          <a:prstGeom prst="straightConnector1">
+            <a:avLst/>
+          </a:prstGeom>
+          <a:ln>
+            <a:tailEnd type="triangle"/>
+          </a:ln>
+        </p:spPr>
+        <p:style>
+          <a:lnRef idx="3">
+            <a:schemeClr val="accent4"/>
+          </a:lnRef>
+          <a:fillRef idx="0">
+            <a:schemeClr val="accent4"/>
+          </a:fillRef>
+          <a:effectRef idx="2">
+            <a:schemeClr val="accent4"/>
+          </a:effectRef>
+          <a:fontRef idx="minor">
+            <a:schemeClr val="tx1"/>
+          </a:fontRef>
+        </p:style>
+      </p:cxnSp>
+      <p:sp>
+        <p:nvSpPr>
+          <p:cNvPr id="35" name="文本框 34">
+            <a:extLst>
+              <a:ext uri="{FF2B5EF4-FFF2-40B4-BE49-F238E27FC236}">
+                <a16:creationId xmlns:a16="http://schemas.microsoft.com/office/drawing/2014/main" id="{50230425-0C7C-46B3-B035-1CCBFF38DF83}"/>
+              </a:ext>
+            </a:extLst>
+          </p:cNvPr>
+          <p:cNvSpPr txBox="1"/>
+          <p:nvPr/>
+        </p:nvSpPr>
+        <p:spPr>
+          <a:xfrm>
+            <a:off x="9614400" y="1359938"/>
+            <a:ext cx="2413754" cy="415498"/>
+          </a:xfrm>
+          <a:prstGeom prst="rect">
+            <a:avLst/>
+          </a:prstGeom>
+          <a:noFill/>
+        </p:spPr>
+        <p:txBody>
+          <a:bodyPr wrap="square" rtlCol="0">
+            <a:spAutoFit/>
+          </a:bodyPr>
+          <a:lstStyle/>
+          <a:p>
+            <a:r>
+              <a:rPr lang="zh-CN" altLang="en-US" sz="1050" dirty="0"/>
+              <a:t>相机编号和采样率。根据你的设备调整</a:t>
+            </a:r>
+            <a:endParaRPr lang="en-US" altLang="zh-CN" sz="1050" dirty="0"/>
+          </a:p>
+        </p:txBody>
+      </p:sp>
+      <p:cxnSp>
+        <p:nvCxnSpPr>
+          <p:cNvPr id="36" name="直接箭头连接符 35">
+            <a:extLst>
+              <a:ext uri="{FF2B5EF4-FFF2-40B4-BE49-F238E27FC236}">
+                <a16:creationId xmlns:a16="http://schemas.microsoft.com/office/drawing/2014/main" id="{754E1D81-116D-488B-BBE3-E7A5998ACAE5}"/>
+              </a:ext>
+            </a:extLst>
+          </p:cNvPr>
+          <p:cNvCxnSpPr>
+            <a:cxnSpLocks/>
+            <a:endCxn id="35" idx="1"/>
+          </p:cNvCxnSpPr>
+          <p:nvPr/>
+        </p:nvCxnSpPr>
+        <p:spPr>
+          <a:xfrm flipV="1">
+            <a:off x="8398760" y="1567687"/>
+            <a:ext cx="1215640" cy="711266"/>
+          </a:xfrm>
+          <a:prstGeom prst="straightConnector1">
+            <a:avLst/>
+          </a:prstGeom>
+          <a:ln>
+            <a:tailEnd type="triangle"/>
+          </a:ln>
+        </p:spPr>
+        <p:style>
+          <a:lnRef idx="3">
+            <a:schemeClr val="accent4"/>
+          </a:lnRef>
+          <a:fillRef idx="0">
+            <a:schemeClr val="accent4"/>
+          </a:fillRef>
+          <a:effectRef idx="2">
+            <a:schemeClr val="accent4"/>
+          </a:effectRef>
+          <a:fontRef idx="minor">
+            <a:schemeClr val="tx1"/>
+          </a:fontRef>
+        </p:style>
+      </p:cxnSp>
+      <p:cxnSp>
+        <p:nvCxnSpPr>
+          <p:cNvPr id="38" name="直接箭头连接符 37">
+            <a:extLst>
+              <a:ext uri="{FF2B5EF4-FFF2-40B4-BE49-F238E27FC236}">
+                <a16:creationId xmlns:a16="http://schemas.microsoft.com/office/drawing/2014/main" id="{3A427032-0136-4882-9310-FFE511951344}"/>
+              </a:ext>
+            </a:extLst>
+          </p:cNvPr>
+          <p:cNvCxnSpPr>
+            <a:cxnSpLocks/>
+          </p:cNvCxnSpPr>
+          <p:nvPr/>
+        </p:nvCxnSpPr>
+        <p:spPr>
+          <a:xfrm>
+            <a:off x="8933551" y="4089775"/>
+            <a:ext cx="956097" cy="246757"/>
+          </a:xfrm>
+          <a:prstGeom prst="straightConnector1">
+            <a:avLst/>
+          </a:prstGeom>
+          <a:ln>
+            <a:tailEnd type="triangle"/>
+          </a:ln>
+        </p:spPr>
+        <p:style>
+          <a:lnRef idx="3">
+            <a:schemeClr val="accent4"/>
+          </a:lnRef>
+          <a:fillRef idx="0">
+            <a:schemeClr val="accent4"/>
+          </a:fillRef>
+          <a:effectRef idx="2">
+            <a:schemeClr val="accent4"/>
+          </a:effectRef>
+          <a:fontRef idx="minor">
+            <a:schemeClr val="tx1"/>
+          </a:fontRef>
+        </p:style>
+      </p:cxnSp>
+      <p:sp>
+        <p:nvSpPr>
+          <p:cNvPr id="40" name="文本框 39">
+            <a:extLst>
+              <a:ext uri="{FF2B5EF4-FFF2-40B4-BE49-F238E27FC236}">
+                <a16:creationId xmlns:a16="http://schemas.microsoft.com/office/drawing/2014/main" id="{4FE3BB8A-1CE0-4E0A-B970-43B167D780C4}"/>
+              </a:ext>
+            </a:extLst>
+          </p:cNvPr>
+          <p:cNvSpPr txBox="1"/>
+          <p:nvPr/>
+        </p:nvSpPr>
+        <p:spPr>
+          <a:xfrm>
+            <a:off x="9889648" y="4213153"/>
+            <a:ext cx="2413754" cy="415498"/>
+          </a:xfrm>
+          <a:prstGeom prst="rect">
+            <a:avLst/>
+          </a:prstGeom>
+          <a:noFill/>
+        </p:spPr>
+        <p:txBody>
+          <a:bodyPr wrap="square" rtlCol="0">
+            <a:spAutoFit/>
+          </a:bodyPr>
+          <a:lstStyle/>
+          <a:p>
+            <a:r>
+              <a:rPr lang="zh-CN" altLang="en-US" sz="1050" dirty="0"/>
+              <a:t>绑定摇杆回中热键。键盘目前只支持默认左</a:t>
+            </a:r>
+            <a:r>
+              <a:rPr lang="en-US" altLang="zh-CN" sz="1050" dirty="0" err="1"/>
+              <a:t>Alt+C</a:t>
+            </a:r>
+            <a:r>
+              <a:rPr lang="zh-CN" altLang="en-US" sz="1050" dirty="0"/>
+              <a:t>回中。</a:t>
+            </a:r>
+            <a:endParaRPr lang="en-US" altLang="zh-CN" sz="1050" dirty="0"/>
           </a:p>
         </p:txBody>
       </p:sp>
     </p:spTree>
     <p:extLst>
       <p:ext uri="{BB962C8B-B14F-4D97-AF65-F5344CB8AC3E}">
-        <p14:creationId xmlns:p14="http://schemas.microsoft.com/office/powerpoint/2010/main" val="922046746"/>
+        <p14:creationId xmlns:p14="http://schemas.microsoft.com/office/powerpoint/2010/main" val="285168479"/>
       </p:ext>
     </p:extLst>
   </p:cSld>
@@ -4004,7 +4610,225 @@
           <a:blip r:embed="rId2">
             <a:extLst>
               <a:ext uri="{28A0092B-C50C-407E-A947-70E740481C1C}">
-                <a14:useLocalDpi xmlns:a14="http://schemas.microsoft.com/office/drawing/2010/main" val="0"/>
+                <a14:useLocalDpi xmlns:a14="http://schemas.microsoft.com/office/drawing/2010/main"/>
+              </a:ext>
+            </a:extLst>
+          </a:blip>
+          <a:stretch>
+            <a:fillRect/>
+          </a:stretch>
+        </p:blipFill>
+        <p:spPr>
+          <a:xfrm>
+            <a:off x="1998157" y="2055744"/>
+            <a:ext cx="7609821" cy="2689080"/>
+          </a:xfrm>
+          <a:prstGeom prst="rect">
+            <a:avLst/>
+          </a:prstGeom>
+        </p:spPr>
+      </p:pic>
+      <p:cxnSp>
+        <p:nvCxnSpPr>
+          <p:cNvPr id="6" name="直接箭头连接符 5">
+            <a:extLst>
+              <a:ext uri="{FF2B5EF4-FFF2-40B4-BE49-F238E27FC236}">
+                <a16:creationId xmlns:a16="http://schemas.microsoft.com/office/drawing/2014/main" id="{73D8AA78-9225-4B56-A758-1FBE0F401485}"/>
+              </a:ext>
+            </a:extLst>
+          </p:cNvPr>
+          <p:cNvCxnSpPr>
+            <a:cxnSpLocks/>
+          </p:cNvCxnSpPr>
+          <p:nvPr/>
+        </p:nvCxnSpPr>
+        <p:spPr>
+          <a:xfrm>
+            <a:off x="1542996" y="1244055"/>
+            <a:ext cx="1041026" cy="978732"/>
+          </a:xfrm>
+          <a:prstGeom prst="straightConnector1">
+            <a:avLst/>
+          </a:prstGeom>
+          <a:ln>
+            <a:tailEnd type="triangle"/>
+          </a:ln>
+        </p:spPr>
+        <p:style>
+          <a:lnRef idx="3">
+            <a:schemeClr val="accent1"/>
+          </a:lnRef>
+          <a:fillRef idx="0">
+            <a:schemeClr val="accent1"/>
+          </a:fillRef>
+          <a:effectRef idx="2">
+            <a:schemeClr val="accent1"/>
+          </a:effectRef>
+          <a:fontRef idx="minor">
+            <a:schemeClr val="tx1"/>
+          </a:fontRef>
+        </p:style>
+      </p:cxnSp>
+      <p:sp>
+        <p:nvSpPr>
+          <p:cNvPr id="7" name="文本框 6">
+            <a:extLst>
+              <a:ext uri="{FF2B5EF4-FFF2-40B4-BE49-F238E27FC236}">
+                <a16:creationId xmlns:a16="http://schemas.microsoft.com/office/drawing/2014/main" id="{755E5170-794F-47FC-8154-714F2201C744}"/>
+              </a:ext>
+            </a:extLst>
+          </p:cNvPr>
+          <p:cNvSpPr txBox="1"/>
+          <p:nvPr/>
+        </p:nvSpPr>
+        <p:spPr>
+          <a:xfrm>
+            <a:off x="568394" y="482055"/>
+            <a:ext cx="6186309" cy="369332"/>
+          </a:xfrm>
+          <a:prstGeom prst="rect">
+            <a:avLst/>
+          </a:prstGeom>
+          <a:noFill/>
+        </p:spPr>
+        <p:txBody>
+          <a:bodyPr wrap="none" rtlCol="0">
+            <a:spAutoFit/>
+          </a:bodyPr>
+          <a:lstStyle/>
+          <a:p>
+            <a:r>
+              <a:rPr lang="zh-CN" altLang="en-US" dirty="0"/>
+              <a:t>角度滤波，越大相应越慢越稳定。越小相应越快越容易抖动</a:t>
+            </a:r>
+          </a:p>
+        </p:txBody>
+      </p:sp>
+      <p:cxnSp>
+        <p:nvCxnSpPr>
+          <p:cNvPr id="9" name="直接箭头连接符 8">
+            <a:extLst>
+              <a:ext uri="{FF2B5EF4-FFF2-40B4-BE49-F238E27FC236}">
+                <a16:creationId xmlns:a16="http://schemas.microsoft.com/office/drawing/2014/main" id="{C109FED3-B22B-4E99-9F81-21D8DEE98B34}"/>
+              </a:ext>
+            </a:extLst>
+          </p:cNvPr>
+          <p:cNvCxnSpPr>
+            <a:cxnSpLocks/>
+          </p:cNvCxnSpPr>
+          <p:nvPr/>
+        </p:nvCxnSpPr>
+        <p:spPr>
+          <a:xfrm flipV="1">
+            <a:off x="1125370" y="4158677"/>
+            <a:ext cx="1197725" cy="953074"/>
+          </a:xfrm>
+          <a:prstGeom prst="straightConnector1">
+            <a:avLst/>
+          </a:prstGeom>
+          <a:ln>
+            <a:tailEnd type="triangle"/>
+          </a:ln>
+        </p:spPr>
+        <p:style>
+          <a:lnRef idx="3">
+            <a:schemeClr val="accent1"/>
+          </a:lnRef>
+          <a:fillRef idx="0">
+            <a:schemeClr val="accent1"/>
+          </a:fillRef>
+          <a:effectRef idx="2">
+            <a:schemeClr val="accent1"/>
+          </a:effectRef>
+          <a:fontRef idx="minor">
+            <a:schemeClr val="tx1"/>
+          </a:fontRef>
+        </p:style>
+      </p:cxnSp>
+      <p:sp>
+        <p:nvSpPr>
+          <p:cNvPr id="12" name="文本框 11">
+            <a:extLst>
+              <a:ext uri="{FF2B5EF4-FFF2-40B4-BE49-F238E27FC236}">
+                <a16:creationId xmlns:a16="http://schemas.microsoft.com/office/drawing/2014/main" id="{2BACF469-7501-4712-B748-1E19B8ACA36C}"/>
+              </a:ext>
+            </a:extLst>
+          </p:cNvPr>
+          <p:cNvSpPr txBox="1"/>
+          <p:nvPr/>
+        </p:nvSpPr>
+        <p:spPr>
+          <a:xfrm>
+            <a:off x="489865" y="5230877"/>
+            <a:ext cx="1107996" cy="369332"/>
+          </a:xfrm>
+          <a:prstGeom prst="rect">
+            <a:avLst/>
+          </a:prstGeom>
+          <a:noFill/>
+        </p:spPr>
+        <p:txBody>
+          <a:bodyPr wrap="none" rtlCol="0">
+            <a:spAutoFit/>
+          </a:bodyPr>
+          <a:lstStyle/>
+          <a:p>
+            <a:r>
+              <a:rPr lang="zh-CN" altLang="en-US" dirty="0"/>
+              <a:t>位置滤波</a:t>
+            </a:r>
+          </a:p>
+        </p:txBody>
+      </p:sp>
+    </p:spTree>
+    <p:extLst>
+      <p:ext uri="{BB962C8B-B14F-4D97-AF65-F5344CB8AC3E}">
+        <p14:creationId xmlns:p14="http://schemas.microsoft.com/office/powerpoint/2010/main" val="922046746"/>
+      </p:ext>
+    </p:extLst>
+  </p:cSld>
+  <p:clrMapOvr>
+    <a:masterClrMapping/>
+  </p:clrMapOvr>
+</p:sld>
+</file>
+
+<file path=ppt/slides/slide4.xml><?xml version="1.0" encoding="utf-8"?>
+<p:sld xmlns:a="http://schemas.openxmlformats.org/drawingml/2006/main" xmlns:r="http://schemas.openxmlformats.org/officeDocument/2006/relationships" xmlns:p="http://schemas.openxmlformats.org/presentationml/2006/main">
+  <p:cSld>
+    <p:spTree>
+      <p:nvGrpSpPr>
+        <p:cNvPr id="1" name=""/>
+        <p:cNvGrpSpPr/>
+        <p:nvPr/>
+      </p:nvGrpSpPr>
+      <p:grpSpPr>
+        <a:xfrm>
+          <a:off x="0" y="0"/>
+          <a:ext cx="0" cy="0"/>
+          <a:chOff x="0" y="0"/>
+          <a:chExt cx="0" cy="0"/>
+        </a:xfrm>
+      </p:grpSpPr>
+      <p:pic>
+        <p:nvPicPr>
+          <p:cNvPr id="5" name="图片 4" descr="图形用户界面, 文本, 应用程序, 电子邮件&#10;&#10;描述已自动生成">
+            <a:extLst>
+              <a:ext uri="{FF2B5EF4-FFF2-40B4-BE49-F238E27FC236}">
+                <a16:creationId xmlns:a16="http://schemas.microsoft.com/office/drawing/2014/main" id="{CC4A9BB1-AE03-4139-820D-F023EA0C2FA1}"/>
+              </a:ext>
+            </a:extLst>
+          </p:cNvPr>
+          <p:cNvPicPr>
+            <a:picLocks noChangeAspect="1"/>
+          </p:cNvPicPr>
+          <p:nvPr/>
+        </p:nvPicPr>
+        <p:blipFill>
+          <a:blip r:embed="rId2">
+            <a:extLst>
+              <a:ext uri="{28A0092B-C50C-407E-A947-70E740481C1C}">
+                <a14:useLocalDpi xmlns:a14="http://schemas.microsoft.com/office/drawing/2010/main"/>
               </a:ext>
             </a:extLst>
           </a:blip>

--- a/docs/slide.pptx
+++ b/docs/slide.pptx
@@ -1,14 +1,14 @@
 
 <file path=ppt/presentation.xml><?xml version="1.0" encoding="utf-8"?>
-<p:presentation xmlns:a="http://schemas.openxmlformats.org/drawingml/2006/main" xmlns:r="http://schemas.openxmlformats.org/officeDocument/2006/relationships" xmlns:p="http://schemas.openxmlformats.org/presentationml/2006/main" saveSubsetFonts="1">
+<p:presentation xmlns:a="http://schemas.openxmlformats.org/drawingml/2006/main" xmlns:r="http://schemas.openxmlformats.org/officeDocument/2006/relationships" xmlns:p="http://schemas.openxmlformats.org/presentationml/2006/main">
   <p:sldMasterIdLst>
     <p:sldMasterId id="2147483648" r:id="rId1"/>
   </p:sldMasterIdLst>
   <p:sldIdLst>
-    <p:sldId id="256" r:id="rId2"/>
-    <p:sldId id="259" r:id="rId3"/>
-    <p:sldId id="257" r:id="rId4"/>
-    <p:sldId id="258" r:id="rId5"/>
+    <p:sldId id="256" r:id="rId3"/>
+    <p:sldId id="259" r:id="rId4"/>
+    <p:sldId id="257" r:id="rId5"/>
+    <p:sldId id="258" r:id="rId6"/>
   </p:sldIdLst>
   <p:sldSz cx="12192000" cy="6858000"/>
   <p:notesSz cx="6858000" cy="9144000"/>
@@ -107,11 +107,6 @@
       </a:defRPr>
     </a:lvl9pPr>
   </p:defaultTextStyle>
-  <p:extLst>
-    <p:ext uri="{EFAFB233-063F-42B5-8137-9DF3F51BA10A}">
-      <p15:sldGuideLst xmlns:p15="http://schemas.microsoft.com/office/powerpoint/2012/main"/>
-    </p:ext>
-  </p:extLst>
 </p:presentation>
 </file>
 
@@ -134,13 +129,7 @@
       </p:grpSpPr>
       <p:sp>
         <p:nvSpPr>
-          <p:cNvPr id="2" name="标题 1">
-            <a:extLst>
-              <a:ext uri="{FF2B5EF4-FFF2-40B4-BE49-F238E27FC236}">
-                <a16:creationId xmlns:a16="http://schemas.microsoft.com/office/drawing/2014/main" id="{0C0DC9F0-EBAD-4BB9-8F1E-B4D69AED47D4}"/>
-              </a:ext>
-            </a:extLst>
-          </p:cNvPr>
+          <p:cNvPr id="2" name="标题 1"/>
           <p:cNvSpPr>
             <a:spLocks noGrp="1"/>
           </p:cNvSpPr>
@@ -166,18 +155,13 @@
               <a:rPr lang="zh-CN" altLang="en-US"/>
               <a:t>单击此处编辑母版标题样式</a:t>
             </a:r>
-          </a:p>
-        </p:txBody>
-      </p:sp>
-      <p:sp>
-        <p:nvSpPr>
-          <p:cNvPr id="3" name="副标题 2">
-            <a:extLst>
-              <a:ext uri="{FF2B5EF4-FFF2-40B4-BE49-F238E27FC236}">
-                <a16:creationId xmlns:a16="http://schemas.microsoft.com/office/drawing/2014/main" id="{39D89374-3582-4FE3-AFFB-DB2839C0421E}"/>
-              </a:ext>
-            </a:extLst>
-          </p:cNvPr>
+            <a:endParaRPr lang="zh-CN" altLang="en-US"/>
+          </a:p>
+        </p:txBody>
+      </p:sp>
+      <p:sp>
+        <p:nvSpPr>
+          <p:cNvPr id="3" name="副标题 2"/>
           <p:cNvSpPr>
             <a:spLocks noGrp="1"/>
           </p:cNvSpPr>
@@ -236,18 +220,13 @@
               <a:rPr lang="zh-CN" altLang="en-US"/>
               <a:t>单击此处编辑母版副标题样式</a:t>
             </a:r>
-          </a:p>
-        </p:txBody>
-      </p:sp>
-      <p:sp>
-        <p:nvSpPr>
-          <p:cNvPr id="4" name="日期占位符 3">
-            <a:extLst>
-              <a:ext uri="{FF2B5EF4-FFF2-40B4-BE49-F238E27FC236}">
-                <a16:creationId xmlns:a16="http://schemas.microsoft.com/office/drawing/2014/main" id="{600E3C7A-323B-436E-AC2A-0F311062F1D8}"/>
-              </a:ext>
-            </a:extLst>
-          </p:cNvPr>
+            <a:endParaRPr lang="zh-CN" altLang="en-US"/>
+          </a:p>
+        </p:txBody>
+      </p:sp>
+      <p:sp>
+        <p:nvSpPr>
+          <p:cNvPr id="4" name="日期占位符 3"/>
           <p:cNvSpPr>
             <a:spLocks noGrp="1"/>
           </p:cNvSpPr>
@@ -262,7 +241,6 @@
           <a:p>
             <a:fld id="{9ABC01B4-603B-41CF-9446-2DD65347BF34}" type="datetimeFigureOut">
               <a:rPr lang="zh-CN" altLang="en-US" smtClean="0"/>
-              <a:t>2020/10/17</a:t>
             </a:fld>
             <a:endParaRPr lang="zh-CN" altLang="en-US"/>
           </a:p>
@@ -270,13 +248,7 @@
       </p:sp>
       <p:sp>
         <p:nvSpPr>
-          <p:cNvPr id="5" name="页脚占位符 4">
-            <a:extLst>
-              <a:ext uri="{FF2B5EF4-FFF2-40B4-BE49-F238E27FC236}">
-                <a16:creationId xmlns:a16="http://schemas.microsoft.com/office/drawing/2014/main" id="{A947D6AE-7BCF-466D-ACD6-16473CFCFA42}"/>
-              </a:ext>
-            </a:extLst>
-          </p:cNvPr>
+          <p:cNvPr id="5" name="页脚占位符 4"/>
           <p:cNvSpPr>
             <a:spLocks noGrp="1"/>
           </p:cNvSpPr>
@@ -295,13 +267,7 @@
       </p:sp>
       <p:sp>
         <p:nvSpPr>
-          <p:cNvPr id="6" name="灯片编号占位符 5">
-            <a:extLst>
-              <a:ext uri="{FF2B5EF4-FFF2-40B4-BE49-F238E27FC236}">
-                <a16:creationId xmlns:a16="http://schemas.microsoft.com/office/drawing/2014/main" id="{9103331D-53A2-4406-B4F3-C1BD07CD7819}"/>
-              </a:ext>
-            </a:extLst>
-          </p:cNvPr>
+          <p:cNvPr id="6" name="灯片编号占位符 5"/>
           <p:cNvSpPr>
             <a:spLocks noGrp="1"/>
           </p:cNvSpPr>
@@ -316,18 +282,12 @@
           <a:p>
             <a:fld id="{060C79FF-370F-44B3-9F23-9833C9EA6AF1}" type="slidenum">
               <a:rPr lang="zh-CN" altLang="en-US" smtClean="0"/>
-              <a:t>‹#›</a:t>
             </a:fld>
             <a:endParaRPr lang="zh-CN" altLang="en-US"/>
           </a:p>
         </p:txBody>
       </p:sp>
     </p:spTree>
-    <p:extLst>
-      <p:ext uri="{BB962C8B-B14F-4D97-AF65-F5344CB8AC3E}">
-        <p14:creationId xmlns:p14="http://schemas.microsoft.com/office/powerpoint/2010/main" val="664632729"/>
-      </p:ext>
-    </p:extLst>
   </p:cSld>
   <p:clrMapOvr>
     <a:masterClrMapping/>
@@ -354,13 +314,7 @@
       </p:grpSpPr>
       <p:sp>
         <p:nvSpPr>
-          <p:cNvPr id="2" name="标题 1">
-            <a:extLst>
-              <a:ext uri="{FF2B5EF4-FFF2-40B4-BE49-F238E27FC236}">
-                <a16:creationId xmlns:a16="http://schemas.microsoft.com/office/drawing/2014/main" id="{7173275C-A7F9-4348-B9EF-2C7DD1ADD65B}"/>
-              </a:ext>
-            </a:extLst>
-          </p:cNvPr>
+          <p:cNvPr id="2" name="标题 1"/>
           <p:cNvSpPr>
             <a:spLocks noGrp="1"/>
           </p:cNvSpPr>
@@ -377,18 +331,13 @@
               <a:rPr lang="zh-CN" altLang="en-US"/>
               <a:t>单击此处编辑母版标题样式</a:t>
             </a:r>
-          </a:p>
-        </p:txBody>
-      </p:sp>
-      <p:sp>
-        <p:nvSpPr>
-          <p:cNvPr id="3" name="竖排文字占位符 2">
-            <a:extLst>
-              <a:ext uri="{FF2B5EF4-FFF2-40B4-BE49-F238E27FC236}">
-                <a16:creationId xmlns:a16="http://schemas.microsoft.com/office/drawing/2014/main" id="{E13ED144-7722-4DA6-9F45-86E97FC21352}"/>
-              </a:ext>
-            </a:extLst>
-          </p:cNvPr>
+            <a:endParaRPr lang="zh-CN" altLang="en-US"/>
+          </a:p>
+        </p:txBody>
+      </p:sp>
+      <p:sp>
+        <p:nvSpPr>
+          <p:cNvPr id="3" name="竖排文字占位符 2"/>
           <p:cNvSpPr>
             <a:spLocks noGrp="1"/>
           </p:cNvSpPr>
@@ -406,6 +355,7 @@
               <a:rPr lang="zh-CN" altLang="en-US"/>
               <a:t>单击此处编辑母版文本样式</a:t>
             </a:r>
+            <a:endParaRPr lang="zh-CN" altLang="en-US"/>
           </a:p>
           <a:p>
             <a:pPr lvl="1"/>
@@ -413,6 +363,7 @@
               <a:rPr lang="zh-CN" altLang="en-US"/>
               <a:t>二级</a:t>
             </a:r>
+            <a:endParaRPr lang="zh-CN" altLang="en-US"/>
           </a:p>
           <a:p>
             <a:pPr lvl="2"/>
@@ -420,6 +371,7 @@
               <a:rPr lang="zh-CN" altLang="en-US"/>
               <a:t>三级</a:t>
             </a:r>
+            <a:endParaRPr lang="zh-CN" altLang="en-US"/>
           </a:p>
           <a:p>
             <a:pPr lvl="3"/>
@@ -427,6 +379,7 @@
               <a:rPr lang="zh-CN" altLang="en-US"/>
               <a:t>四级</a:t>
             </a:r>
+            <a:endParaRPr lang="zh-CN" altLang="en-US"/>
           </a:p>
           <a:p>
             <a:pPr lvl="4"/>
@@ -434,18 +387,13 @@
               <a:rPr lang="zh-CN" altLang="en-US"/>
               <a:t>五级</a:t>
             </a:r>
-          </a:p>
-        </p:txBody>
-      </p:sp>
-      <p:sp>
-        <p:nvSpPr>
-          <p:cNvPr id="4" name="日期占位符 3">
-            <a:extLst>
-              <a:ext uri="{FF2B5EF4-FFF2-40B4-BE49-F238E27FC236}">
-                <a16:creationId xmlns:a16="http://schemas.microsoft.com/office/drawing/2014/main" id="{86DDFE7B-1231-4FDA-A4B2-EAD072C8AE0D}"/>
-              </a:ext>
-            </a:extLst>
-          </p:cNvPr>
+            <a:endParaRPr lang="zh-CN" altLang="en-US"/>
+          </a:p>
+        </p:txBody>
+      </p:sp>
+      <p:sp>
+        <p:nvSpPr>
+          <p:cNvPr id="4" name="日期占位符 3"/>
           <p:cNvSpPr>
             <a:spLocks noGrp="1"/>
           </p:cNvSpPr>
@@ -460,7 +408,6 @@
           <a:p>
             <a:fld id="{9ABC01B4-603B-41CF-9446-2DD65347BF34}" type="datetimeFigureOut">
               <a:rPr lang="zh-CN" altLang="en-US" smtClean="0"/>
-              <a:t>2020/10/17</a:t>
             </a:fld>
             <a:endParaRPr lang="zh-CN" altLang="en-US"/>
           </a:p>
@@ -468,13 +415,7 @@
       </p:sp>
       <p:sp>
         <p:nvSpPr>
-          <p:cNvPr id="5" name="页脚占位符 4">
-            <a:extLst>
-              <a:ext uri="{FF2B5EF4-FFF2-40B4-BE49-F238E27FC236}">
-                <a16:creationId xmlns:a16="http://schemas.microsoft.com/office/drawing/2014/main" id="{06698136-831E-4F9E-B3B9-54065011C2C2}"/>
-              </a:ext>
-            </a:extLst>
-          </p:cNvPr>
+          <p:cNvPr id="5" name="页脚占位符 4"/>
           <p:cNvSpPr>
             <a:spLocks noGrp="1"/>
           </p:cNvSpPr>
@@ -493,13 +434,7 @@
       </p:sp>
       <p:sp>
         <p:nvSpPr>
-          <p:cNvPr id="6" name="灯片编号占位符 5">
-            <a:extLst>
-              <a:ext uri="{FF2B5EF4-FFF2-40B4-BE49-F238E27FC236}">
-                <a16:creationId xmlns:a16="http://schemas.microsoft.com/office/drawing/2014/main" id="{F3FF7513-3B36-400F-BC19-26F87236BDE5}"/>
-              </a:ext>
-            </a:extLst>
-          </p:cNvPr>
+          <p:cNvPr id="6" name="灯片编号占位符 5"/>
           <p:cNvSpPr>
             <a:spLocks noGrp="1"/>
           </p:cNvSpPr>
@@ -514,18 +449,12 @@
           <a:p>
             <a:fld id="{060C79FF-370F-44B3-9F23-9833C9EA6AF1}" type="slidenum">
               <a:rPr lang="zh-CN" altLang="en-US" smtClean="0"/>
-              <a:t>‹#›</a:t>
             </a:fld>
             <a:endParaRPr lang="zh-CN" altLang="en-US"/>
           </a:p>
         </p:txBody>
       </p:sp>
     </p:spTree>
-    <p:extLst>
-      <p:ext uri="{BB962C8B-B14F-4D97-AF65-F5344CB8AC3E}">
-        <p14:creationId xmlns:p14="http://schemas.microsoft.com/office/powerpoint/2010/main" val="398000572"/>
-      </p:ext>
-    </p:extLst>
   </p:cSld>
   <p:clrMapOvr>
     <a:masterClrMapping/>
@@ -552,13 +481,7 @@
       </p:grpSpPr>
       <p:sp>
         <p:nvSpPr>
-          <p:cNvPr id="2" name="竖排标题 1">
-            <a:extLst>
-              <a:ext uri="{FF2B5EF4-FFF2-40B4-BE49-F238E27FC236}">
-                <a16:creationId xmlns:a16="http://schemas.microsoft.com/office/drawing/2014/main" id="{9565DF02-402B-4C4C-B443-8C34E662AB2B}"/>
-              </a:ext>
-            </a:extLst>
-          </p:cNvPr>
+          <p:cNvPr id="2" name="竖排标题 1"/>
           <p:cNvSpPr>
             <a:spLocks noGrp="1"/>
           </p:cNvSpPr>
@@ -580,18 +503,13 @@
               <a:rPr lang="zh-CN" altLang="en-US"/>
               <a:t>单击此处编辑母版标题样式</a:t>
             </a:r>
-          </a:p>
-        </p:txBody>
-      </p:sp>
-      <p:sp>
-        <p:nvSpPr>
-          <p:cNvPr id="3" name="竖排文字占位符 2">
-            <a:extLst>
-              <a:ext uri="{FF2B5EF4-FFF2-40B4-BE49-F238E27FC236}">
-                <a16:creationId xmlns:a16="http://schemas.microsoft.com/office/drawing/2014/main" id="{03991EC1-E26E-43E0-833A-8981581CC1FE}"/>
-              </a:ext>
-            </a:extLst>
-          </p:cNvPr>
+            <a:endParaRPr lang="zh-CN" altLang="en-US"/>
+          </a:p>
+        </p:txBody>
+      </p:sp>
+      <p:sp>
+        <p:nvSpPr>
+          <p:cNvPr id="3" name="竖排文字占位符 2"/>
           <p:cNvSpPr>
             <a:spLocks noGrp="1"/>
           </p:cNvSpPr>
@@ -614,6 +532,7 @@
               <a:rPr lang="zh-CN" altLang="en-US"/>
               <a:t>单击此处编辑母版文本样式</a:t>
             </a:r>
+            <a:endParaRPr lang="zh-CN" altLang="en-US"/>
           </a:p>
           <a:p>
             <a:pPr lvl="1"/>
@@ -621,6 +540,7 @@
               <a:rPr lang="zh-CN" altLang="en-US"/>
               <a:t>二级</a:t>
             </a:r>
+            <a:endParaRPr lang="zh-CN" altLang="en-US"/>
           </a:p>
           <a:p>
             <a:pPr lvl="2"/>
@@ -628,6 +548,7 @@
               <a:rPr lang="zh-CN" altLang="en-US"/>
               <a:t>三级</a:t>
             </a:r>
+            <a:endParaRPr lang="zh-CN" altLang="en-US"/>
           </a:p>
           <a:p>
             <a:pPr lvl="3"/>
@@ -635,6 +556,7 @@
               <a:rPr lang="zh-CN" altLang="en-US"/>
               <a:t>四级</a:t>
             </a:r>
+            <a:endParaRPr lang="zh-CN" altLang="en-US"/>
           </a:p>
           <a:p>
             <a:pPr lvl="4"/>
@@ -642,18 +564,13 @@
               <a:rPr lang="zh-CN" altLang="en-US"/>
               <a:t>五级</a:t>
             </a:r>
-          </a:p>
-        </p:txBody>
-      </p:sp>
-      <p:sp>
-        <p:nvSpPr>
-          <p:cNvPr id="4" name="日期占位符 3">
-            <a:extLst>
-              <a:ext uri="{FF2B5EF4-FFF2-40B4-BE49-F238E27FC236}">
-                <a16:creationId xmlns:a16="http://schemas.microsoft.com/office/drawing/2014/main" id="{B6A06BE4-3C9A-4838-8CF2-0ECE23D702C0}"/>
-              </a:ext>
-            </a:extLst>
-          </p:cNvPr>
+            <a:endParaRPr lang="zh-CN" altLang="en-US"/>
+          </a:p>
+        </p:txBody>
+      </p:sp>
+      <p:sp>
+        <p:nvSpPr>
+          <p:cNvPr id="4" name="日期占位符 3"/>
           <p:cNvSpPr>
             <a:spLocks noGrp="1"/>
           </p:cNvSpPr>
@@ -668,7 +585,6 @@
           <a:p>
             <a:fld id="{9ABC01B4-603B-41CF-9446-2DD65347BF34}" type="datetimeFigureOut">
               <a:rPr lang="zh-CN" altLang="en-US" smtClean="0"/>
-              <a:t>2020/10/17</a:t>
             </a:fld>
             <a:endParaRPr lang="zh-CN" altLang="en-US"/>
           </a:p>
@@ -676,13 +592,7 @@
       </p:sp>
       <p:sp>
         <p:nvSpPr>
-          <p:cNvPr id="5" name="页脚占位符 4">
-            <a:extLst>
-              <a:ext uri="{FF2B5EF4-FFF2-40B4-BE49-F238E27FC236}">
-                <a16:creationId xmlns:a16="http://schemas.microsoft.com/office/drawing/2014/main" id="{6A68D698-DB93-4AD1-BD34-7712EEC61A9C}"/>
-              </a:ext>
-            </a:extLst>
-          </p:cNvPr>
+          <p:cNvPr id="5" name="页脚占位符 4"/>
           <p:cNvSpPr>
             <a:spLocks noGrp="1"/>
           </p:cNvSpPr>
@@ -701,13 +611,7 @@
       </p:sp>
       <p:sp>
         <p:nvSpPr>
-          <p:cNvPr id="6" name="灯片编号占位符 5">
-            <a:extLst>
-              <a:ext uri="{FF2B5EF4-FFF2-40B4-BE49-F238E27FC236}">
-                <a16:creationId xmlns:a16="http://schemas.microsoft.com/office/drawing/2014/main" id="{71B204A9-D994-4653-8B10-E015F5BB33C9}"/>
-              </a:ext>
-            </a:extLst>
-          </p:cNvPr>
+          <p:cNvPr id="6" name="灯片编号占位符 5"/>
           <p:cNvSpPr>
             <a:spLocks noGrp="1"/>
           </p:cNvSpPr>
@@ -722,18 +626,12 @@
           <a:p>
             <a:fld id="{060C79FF-370F-44B3-9F23-9833C9EA6AF1}" type="slidenum">
               <a:rPr lang="zh-CN" altLang="en-US" smtClean="0"/>
-              <a:t>‹#›</a:t>
             </a:fld>
             <a:endParaRPr lang="zh-CN" altLang="en-US"/>
           </a:p>
         </p:txBody>
       </p:sp>
     </p:spTree>
-    <p:extLst>
-      <p:ext uri="{BB962C8B-B14F-4D97-AF65-F5344CB8AC3E}">
-        <p14:creationId xmlns:p14="http://schemas.microsoft.com/office/powerpoint/2010/main" val="3027991461"/>
-      </p:ext>
-    </p:extLst>
   </p:cSld>
   <p:clrMapOvr>
     <a:masterClrMapping/>
@@ -760,13 +658,7 @@
       </p:grpSpPr>
       <p:sp>
         <p:nvSpPr>
-          <p:cNvPr id="2" name="标题 1">
-            <a:extLst>
-              <a:ext uri="{FF2B5EF4-FFF2-40B4-BE49-F238E27FC236}">
-                <a16:creationId xmlns:a16="http://schemas.microsoft.com/office/drawing/2014/main" id="{3886F823-7926-4299-99B8-410B4F485A64}"/>
-              </a:ext>
-            </a:extLst>
-          </p:cNvPr>
+          <p:cNvPr id="2" name="标题 1"/>
           <p:cNvSpPr>
             <a:spLocks noGrp="1"/>
           </p:cNvSpPr>
@@ -783,18 +675,13 @@
               <a:rPr lang="zh-CN" altLang="en-US"/>
               <a:t>单击此处编辑母版标题样式</a:t>
             </a:r>
-          </a:p>
-        </p:txBody>
-      </p:sp>
-      <p:sp>
-        <p:nvSpPr>
-          <p:cNvPr id="3" name="内容占位符 2">
-            <a:extLst>
-              <a:ext uri="{FF2B5EF4-FFF2-40B4-BE49-F238E27FC236}">
-                <a16:creationId xmlns:a16="http://schemas.microsoft.com/office/drawing/2014/main" id="{D67BCF3C-C3F6-4A53-9673-27415C5168C0}"/>
-              </a:ext>
-            </a:extLst>
-          </p:cNvPr>
+            <a:endParaRPr lang="zh-CN" altLang="en-US"/>
+          </a:p>
+        </p:txBody>
+      </p:sp>
+      <p:sp>
+        <p:nvSpPr>
+          <p:cNvPr id="3" name="内容占位符 2"/>
           <p:cNvSpPr>
             <a:spLocks noGrp="1"/>
           </p:cNvSpPr>
@@ -812,6 +699,7 @@
               <a:rPr lang="zh-CN" altLang="en-US"/>
               <a:t>单击此处编辑母版文本样式</a:t>
             </a:r>
+            <a:endParaRPr lang="zh-CN" altLang="en-US"/>
           </a:p>
           <a:p>
             <a:pPr lvl="1"/>
@@ -819,6 +707,7 @@
               <a:rPr lang="zh-CN" altLang="en-US"/>
               <a:t>二级</a:t>
             </a:r>
+            <a:endParaRPr lang="zh-CN" altLang="en-US"/>
           </a:p>
           <a:p>
             <a:pPr lvl="2"/>
@@ -826,6 +715,7 @@
               <a:rPr lang="zh-CN" altLang="en-US"/>
               <a:t>三级</a:t>
             </a:r>
+            <a:endParaRPr lang="zh-CN" altLang="en-US"/>
           </a:p>
           <a:p>
             <a:pPr lvl="3"/>
@@ -833,6 +723,7 @@
               <a:rPr lang="zh-CN" altLang="en-US"/>
               <a:t>四级</a:t>
             </a:r>
+            <a:endParaRPr lang="zh-CN" altLang="en-US"/>
           </a:p>
           <a:p>
             <a:pPr lvl="4"/>
@@ -840,18 +731,13 @@
               <a:rPr lang="zh-CN" altLang="en-US"/>
               <a:t>五级</a:t>
             </a:r>
-          </a:p>
-        </p:txBody>
-      </p:sp>
-      <p:sp>
-        <p:nvSpPr>
-          <p:cNvPr id="4" name="日期占位符 3">
-            <a:extLst>
-              <a:ext uri="{FF2B5EF4-FFF2-40B4-BE49-F238E27FC236}">
-                <a16:creationId xmlns:a16="http://schemas.microsoft.com/office/drawing/2014/main" id="{CE9ED374-411F-459A-AAFD-D0A7DBDD4E44}"/>
-              </a:ext>
-            </a:extLst>
-          </p:cNvPr>
+            <a:endParaRPr lang="zh-CN" altLang="en-US"/>
+          </a:p>
+        </p:txBody>
+      </p:sp>
+      <p:sp>
+        <p:nvSpPr>
+          <p:cNvPr id="4" name="日期占位符 3"/>
           <p:cNvSpPr>
             <a:spLocks noGrp="1"/>
           </p:cNvSpPr>
@@ -866,7 +752,6 @@
           <a:p>
             <a:fld id="{9ABC01B4-603B-41CF-9446-2DD65347BF34}" type="datetimeFigureOut">
               <a:rPr lang="zh-CN" altLang="en-US" smtClean="0"/>
-              <a:t>2020/10/17</a:t>
             </a:fld>
             <a:endParaRPr lang="zh-CN" altLang="en-US"/>
           </a:p>
@@ -874,13 +759,7 @@
       </p:sp>
       <p:sp>
         <p:nvSpPr>
-          <p:cNvPr id="5" name="页脚占位符 4">
-            <a:extLst>
-              <a:ext uri="{FF2B5EF4-FFF2-40B4-BE49-F238E27FC236}">
-                <a16:creationId xmlns:a16="http://schemas.microsoft.com/office/drawing/2014/main" id="{AC9C3FE6-F1C3-4FA2-85CC-D30D48F6BF02}"/>
-              </a:ext>
-            </a:extLst>
-          </p:cNvPr>
+          <p:cNvPr id="5" name="页脚占位符 4"/>
           <p:cNvSpPr>
             <a:spLocks noGrp="1"/>
           </p:cNvSpPr>
@@ -899,13 +778,7 @@
       </p:sp>
       <p:sp>
         <p:nvSpPr>
-          <p:cNvPr id="6" name="灯片编号占位符 5">
-            <a:extLst>
-              <a:ext uri="{FF2B5EF4-FFF2-40B4-BE49-F238E27FC236}">
-                <a16:creationId xmlns:a16="http://schemas.microsoft.com/office/drawing/2014/main" id="{BBEEA0EF-14C4-4E2F-B0A7-9B6D675702EB}"/>
-              </a:ext>
-            </a:extLst>
-          </p:cNvPr>
+          <p:cNvPr id="6" name="灯片编号占位符 5"/>
           <p:cNvSpPr>
             <a:spLocks noGrp="1"/>
           </p:cNvSpPr>
@@ -920,18 +793,12 @@
           <a:p>
             <a:fld id="{060C79FF-370F-44B3-9F23-9833C9EA6AF1}" type="slidenum">
               <a:rPr lang="zh-CN" altLang="en-US" smtClean="0"/>
-              <a:t>‹#›</a:t>
             </a:fld>
             <a:endParaRPr lang="zh-CN" altLang="en-US"/>
           </a:p>
         </p:txBody>
       </p:sp>
     </p:spTree>
-    <p:extLst>
-      <p:ext uri="{BB962C8B-B14F-4D97-AF65-F5344CB8AC3E}">
-        <p14:creationId xmlns:p14="http://schemas.microsoft.com/office/powerpoint/2010/main" val="3560733402"/>
-      </p:ext>
-    </p:extLst>
   </p:cSld>
   <p:clrMapOvr>
     <a:masterClrMapping/>
@@ -958,13 +825,7 @@
       </p:grpSpPr>
       <p:sp>
         <p:nvSpPr>
-          <p:cNvPr id="2" name="标题 1">
-            <a:extLst>
-              <a:ext uri="{FF2B5EF4-FFF2-40B4-BE49-F238E27FC236}">
-                <a16:creationId xmlns:a16="http://schemas.microsoft.com/office/drawing/2014/main" id="{CEABCDF1-0B62-49CD-9CA4-F783ED118C7F}"/>
-              </a:ext>
-            </a:extLst>
-          </p:cNvPr>
+          <p:cNvPr id="2" name="标题 1"/>
           <p:cNvSpPr>
             <a:spLocks noGrp="1"/>
           </p:cNvSpPr>
@@ -990,18 +851,13 @@
               <a:rPr lang="zh-CN" altLang="en-US"/>
               <a:t>单击此处编辑母版标题样式</a:t>
             </a:r>
-          </a:p>
-        </p:txBody>
-      </p:sp>
-      <p:sp>
-        <p:nvSpPr>
-          <p:cNvPr id="3" name="文本占位符 2">
-            <a:extLst>
-              <a:ext uri="{FF2B5EF4-FFF2-40B4-BE49-F238E27FC236}">
-                <a16:creationId xmlns:a16="http://schemas.microsoft.com/office/drawing/2014/main" id="{064DB505-4DAB-41CA-B6D3-24C807B941DA}"/>
-              </a:ext>
-            </a:extLst>
-          </p:cNvPr>
+            <a:endParaRPr lang="zh-CN" altLang="en-US"/>
+          </a:p>
+        </p:txBody>
+      </p:sp>
+      <p:sp>
+        <p:nvSpPr>
+          <p:cNvPr id="3" name="文本占位符 2"/>
           <p:cNvSpPr>
             <a:spLocks noGrp="1"/>
           </p:cNvSpPr>
@@ -1115,18 +971,13 @@
               <a:rPr lang="zh-CN" altLang="en-US"/>
               <a:t>单击此处编辑母版文本样式</a:t>
             </a:r>
-          </a:p>
-        </p:txBody>
-      </p:sp>
-      <p:sp>
-        <p:nvSpPr>
-          <p:cNvPr id="4" name="日期占位符 3">
-            <a:extLst>
-              <a:ext uri="{FF2B5EF4-FFF2-40B4-BE49-F238E27FC236}">
-                <a16:creationId xmlns:a16="http://schemas.microsoft.com/office/drawing/2014/main" id="{6FE87069-FE7E-4DE0-B7E2-A9970A8780AD}"/>
-              </a:ext>
-            </a:extLst>
-          </p:cNvPr>
+            <a:endParaRPr lang="zh-CN" altLang="en-US"/>
+          </a:p>
+        </p:txBody>
+      </p:sp>
+      <p:sp>
+        <p:nvSpPr>
+          <p:cNvPr id="4" name="日期占位符 3"/>
           <p:cNvSpPr>
             <a:spLocks noGrp="1"/>
           </p:cNvSpPr>
@@ -1141,7 +992,6 @@
           <a:p>
             <a:fld id="{9ABC01B4-603B-41CF-9446-2DD65347BF34}" type="datetimeFigureOut">
               <a:rPr lang="zh-CN" altLang="en-US" smtClean="0"/>
-              <a:t>2020/10/17</a:t>
             </a:fld>
             <a:endParaRPr lang="zh-CN" altLang="en-US"/>
           </a:p>
@@ -1149,13 +999,7 @@
       </p:sp>
       <p:sp>
         <p:nvSpPr>
-          <p:cNvPr id="5" name="页脚占位符 4">
-            <a:extLst>
-              <a:ext uri="{FF2B5EF4-FFF2-40B4-BE49-F238E27FC236}">
-                <a16:creationId xmlns:a16="http://schemas.microsoft.com/office/drawing/2014/main" id="{EFB63D78-D771-48CA-89ED-15DD76CC8741}"/>
-              </a:ext>
-            </a:extLst>
-          </p:cNvPr>
+          <p:cNvPr id="5" name="页脚占位符 4"/>
           <p:cNvSpPr>
             <a:spLocks noGrp="1"/>
           </p:cNvSpPr>
@@ -1174,13 +1018,7 @@
       </p:sp>
       <p:sp>
         <p:nvSpPr>
-          <p:cNvPr id="6" name="灯片编号占位符 5">
-            <a:extLst>
-              <a:ext uri="{FF2B5EF4-FFF2-40B4-BE49-F238E27FC236}">
-                <a16:creationId xmlns:a16="http://schemas.microsoft.com/office/drawing/2014/main" id="{6FFAFBB5-992B-4EA8-8F20-D8CEF566ADD2}"/>
-              </a:ext>
-            </a:extLst>
-          </p:cNvPr>
+          <p:cNvPr id="6" name="灯片编号占位符 5"/>
           <p:cNvSpPr>
             <a:spLocks noGrp="1"/>
           </p:cNvSpPr>
@@ -1195,18 +1033,12 @@
           <a:p>
             <a:fld id="{060C79FF-370F-44B3-9F23-9833C9EA6AF1}" type="slidenum">
               <a:rPr lang="zh-CN" altLang="en-US" smtClean="0"/>
-              <a:t>‹#›</a:t>
             </a:fld>
             <a:endParaRPr lang="zh-CN" altLang="en-US"/>
           </a:p>
         </p:txBody>
       </p:sp>
     </p:spTree>
-    <p:extLst>
-      <p:ext uri="{BB962C8B-B14F-4D97-AF65-F5344CB8AC3E}">
-        <p14:creationId xmlns:p14="http://schemas.microsoft.com/office/powerpoint/2010/main" val="3409247607"/>
-      </p:ext>
-    </p:extLst>
   </p:cSld>
   <p:clrMapOvr>
     <a:masterClrMapping/>
@@ -1233,13 +1065,7 @@
       </p:grpSpPr>
       <p:sp>
         <p:nvSpPr>
-          <p:cNvPr id="2" name="标题 1">
-            <a:extLst>
-              <a:ext uri="{FF2B5EF4-FFF2-40B4-BE49-F238E27FC236}">
-                <a16:creationId xmlns:a16="http://schemas.microsoft.com/office/drawing/2014/main" id="{B35F364D-891B-46D4-9196-6B8E18D2C5B8}"/>
-              </a:ext>
-            </a:extLst>
-          </p:cNvPr>
+          <p:cNvPr id="2" name="标题 1"/>
           <p:cNvSpPr>
             <a:spLocks noGrp="1"/>
           </p:cNvSpPr>
@@ -1256,18 +1082,13 @@
               <a:rPr lang="zh-CN" altLang="en-US"/>
               <a:t>单击此处编辑母版标题样式</a:t>
             </a:r>
-          </a:p>
-        </p:txBody>
-      </p:sp>
-      <p:sp>
-        <p:nvSpPr>
-          <p:cNvPr id="3" name="内容占位符 2">
-            <a:extLst>
-              <a:ext uri="{FF2B5EF4-FFF2-40B4-BE49-F238E27FC236}">
-                <a16:creationId xmlns:a16="http://schemas.microsoft.com/office/drawing/2014/main" id="{150505E7-29EB-4784-948F-BA87A9392E2A}"/>
-              </a:ext>
-            </a:extLst>
-          </p:cNvPr>
+            <a:endParaRPr lang="zh-CN" altLang="en-US"/>
+          </a:p>
+        </p:txBody>
+      </p:sp>
+      <p:sp>
+        <p:nvSpPr>
+          <p:cNvPr id="3" name="内容占位符 2"/>
           <p:cNvSpPr>
             <a:spLocks noGrp="1"/>
           </p:cNvSpPr>
@@ -1290,6 +1111,7 @@
               <a:rPr lang="zh-CN" altLang="en-US"/>
               <a:t>单击此处编辑母版文本样式</a:t>
             </a:r>
+            <a:endParaRPr lang="zh-CN" altLang="en-US"/>
           </a:p>
           <a:p>
             <a:pPr lvl="1"/>
@@ -1297,6 +1119,7 @@
               <a:rPr lang="zh-CN" altLang="en-US"/>
               <a:t>二级</a:t>
             </a:r>
+            <a:endParaRPr lang="zh-CN" altLang="en-US"/>
           </a:p>
           <a:p>
             <a:pPr lvl="2"/>
@@ -1304,6 +1127,7 @@
               <a:rPr lang="zh-CN" altLang="en-US"/>
               <a:t>三级</a:t>
             </a:r>
+            <a:endParaRPr lang="zh-CN" altLang="en-US"/>
           </a:p>
           <a:p>
             <a:pPr lvl="3"/>
@@ -1311,6 +1135,7 @@
               <a:rPr lang="zh-CN" altLang="en-US"/>
               <a:t>四级</a:t>
             </a:r>
+            <a:endParaRPr lang="zh-CN" altLang="en-US"/>
           </a:p>
           <a:p>
             <a:pPr lvl="4"/>
@@ -1318,18 +1143,13 @@
               <a:rPr lang="zh-CN" altLang="en-US"/>
               <a:t>五级</a:t>
             </a:r>
-          </a:p>
-        </p:txBody>
-      </p:sp>
-      <p:sp>
-        <p:nvSpPr>
-          <p:cNvPr id="4" name="内容占位符 3">
-            <a:extLst>
-              <a:ext uri="{FF2B5EF4-FFF2-40B4-BE49-F238E27FC236}">
-                <a16:creationId xmlns:a16="http://schemas.microsoft.com/office/drawing/2014/main" id="{CF6E5B5A-C6DB-43F8-B776-D8849EB2D870}"/>
-              </a:ext>
-            </a:extLst>
-          </p:cNvPr>
+            <a:endParaRPr lang="zh-CN" altLang="en-US"/>
+          </a:p>
+        </p:txBody>
+      </p:sp>
+      <p:sp>
+        <p:nvSpPr>
+          <p:cNvPr id="4" name="内容占位符 3"/>
           <p:cNvSpPr>
             <a:spLocks noGrp="1"/>
           </p:cNvSpPr>
@@ -1352,6 +1172,7 @@
               <a:rPr lang="zh-CN" altLang="en-US"/>
               <a:t>单击此处编辑母版文本样式</a:t>
             </a:r>
+            <a:endParaRPr lang="zh-CN" altLang="en-US"/>
           </a:p>
           <a:p>
             <a:pPr lvl="1"/>
@@ -1359,6 +1180,7 @@
               <a:rPr lang="zh-CN" altLang="en-US"/>
               <a:t>二级</a:t>
             </a:r>
+            <a:endParaRPr lang="zh-CN" altLang="en-US"/>
           </a:p>
           <a:p>
             <a:pPr lvl="2"/>
@@ -1366,6 +1188,7 @@
               <a:rPr lang="zh-CN" altLang="en-US"/>
               <a:t>三级</a:t>
             </a:r>
+            <a:endParaRPr lang="zh-CN" altLang="en-US"/>
           </a:p>
           <a:p>
             <a:pPr lvl="3"/>
@@ -1373,6 +1196,7 @@
               <a:rPr lang="zh-CN" altLang="en-US"/>
               <a:t>四级</a:t>
             </a:r>
+            <a:endParaRPr lang="zh-CN" altLang="en-US"/>
           </a:p>
           <a:p>
             <a:pPr lvl="4"/>
@@ -1380,18 +1204,13 @@
               <a:rPr lang="zh-CN" altLang="en-US"/>
               <a:t>五级</a:t>
             </a:r>
-          </a:p>
-        </p:txBody>
-      </p:sp>
-      <p:sp>
-        <p:nvSpPr>
-          <p:cNvPr id="5" name="日期占位符 4">
-            <a:extLst>
-              <a:ext uri="{FF2B5EF4-FFF2-40B4-BE49-F238E27FC236}">
-                <a16:creationId xmlns:a16="http://schemas.microsoft.com/office/drawing/2014/main" id="{FB66FB57-4A22-4F83-BBCC-2565D3D0345A}"/>
-              </a:ext>
-            </a:extLst>
-          </p:cNvPr>
+            <a:endParaRPr lang="zh-CN" altLang="en-US"/>
+          </a:p>
+        </p:txBody>
+      </p:sp>
+      <p:sp>
+        <p:nvSpPr>
+          <p:cNvPr id="5" name="日期占位符 4"/>
           <p:cNvSpPr>
             <a:spLocks noGrp="1"/>
           </p:cNvSpPr>
@@ -1406,7 +1225,6 @@
           <a:p>
             <a:fld id="{9ABC01B4-603B-41CF-9446-2DD65347BF34}" type="datetimeFigureOut">
               <a:rPr lang="zh-CN" altLang="en-US" smtClean="0"/>
-              <a:t>2020/10/17</a:t>
             </a:fld>
             <a:endParaRPr lang="zh-CN" altLang="en-US"/>
           </a:p>
@@ -1414,13 +1232,7 @@
       </p:sp>
       <p:sp>
         <p:nvSpPr>
-          <p:cNvPr id="6" name="页脚占位符 5">
-            <a:extLst>
-              <a:ext uri="{FF2B5EF4-FFF2-40B4-BE49-F238E27FC236}">
-                <a16:creationId xmlns:a16="http://schemas.microsoft.com/office/drawing/2014/main" id="{E7320C05-47B6-46B0-9779-242AABD8D011}"/>
-              </a:ext>
-            </a:extLst>
-          </p:cNvPr>
+          <p:cNvPr id="6" name="页脚占位符 5"/>
           <p:cNvSpPr>
             <a:spLocks noGrp="1"/>
           </p:cNvSpPr>
@@ -1439,13 +1251,7 @@
       </p:sp>
       <p:sp>
         <p:nvSpPr>
-          <p:cNvPr id="7" name="灯片编号占位符 6">
-            <a:extLst>
-              <a:ext uri="{FF2B5EF4-FFF2-40B4-BE49-F238E27FC236}">
-                <a16:creationId xmlns:a16="http://schemas.microsoft.com/office/drawing/2014/main" id="{2BDBAACD-524B-40AF-8A05-F7A001B2B5D4}"/>
-              </a:ext>
-            </a:extLst>
-          </p:cNvPr>
+          <p:cNvPr id="7" name="灯片编号占位符 6"/>
           <p:cNvSpPr>
             <a:spLocks noGrp="1"/>
           </p:cNvSpPr>
@@ -1460,18 +1266,12 @@
           <a:p>
             <a:fld id="{060C79FF-370F-44B3-9F23-9833C9EA6AF1}" type="slidenum">
               <a:rPr lang="zh-CN" altLang="en-US" smtClean="0"/>
-              <a:t>‹#›</a:t>
             </a:fld>
             <a:endParaRPr lang="zh-CN" altLang="en-US"/>
           </a:p>
         </p:txBody>
       </p:sp>
     </p:spTree>
-    <p:extLst>
-      <p:ext uri="{BB962C8B-B14F-4D97-AF65-F5344CB8AC3E}">
-        <p14:creationId xmlns:p14="http://schemas.microsoft.com/office/powerpoint/2010/main" val="3863452551"/>
-      </p:ext>
-    </p:extLst>
   </p:cSld>
   <p:clrMapOvr>
     <a:masterClrMapping/>
@@ -1498,13 +1298,7 @@
       </p:grpSpPr>
       <p:sp>
         <p:nvSpPr>
-          <p:cNvPr id="2" name="标题 1">
-            <a:extLst>
-              <a:ext uri="{FF2B5EF4-FFF2-40B4-BE49-F238E27FC236}">
-                <a16:creationId xmlns:a16="http://schemas.microsoft.com/office/drawing/2014/main" id="{950EE378-8921-479B-8314-95AA40878EBD}"/>
-              </a:ext>
-            </a:extLst>
-          </p:cNvPr>
+          <p:cNvPr id="2" name="标题 1"/>
           <p:cNvSpPr>
             <a:spLocks noGrp="1"/>
           </p:cNvSpPr>
@@ -1526,18 +1320,13 @@
               <a:rPr lang="zh-CN" altLang="en-US"/>
               <a:t>单击此处编辑母版标题样式</a:t>
             </a:r>
-          </a:p>
-        </p:txBody>
-      </p:sp>
-      <p:sp>
-        <p:nvSpPr>
-          <p:cNvPr id="3" name="文本占位符 2">
-            <a:extLst>
-              <a:ext uri="{FF2B5EF4-FFF2-40B4-BE49-F238E27FC236}">
-                <a16:creationId xmlns:a16="http://schemas.microsoft.com/office/drawing/2014/main" id="{7BFFE0DD-A556-4058-AF3D-B14CC3DC343B}"/>
-              </a:ext>
-            </a:extLst>
-          </p:cNvPr>
+            <a:endParaRPr lang="zh-CN" altLang="en-US"/>
+          </a:p>
+        </p:txBody>
+      </p:sp>
+      <p:sp>
+        <p:nvSpPr>
+          <p:cNvPr id="3" name="文本占位符 2"/>
           <p:cNvSpPr>
             <a:spLocks noGrp="1"/>
           </p:cNvSpPr>
@@ -1597,18 +1386,13 @@
               <a:rPr lang="zh-CN" altLang="en-US"/>
               <a:t>单击此处编辑母版文本样式</a:t>
             </a:r>
-          </a:p>
-        </p:txBody>
-      </p:sp>
-      <p:sp>
-        <p:nvSpPr>
-          <p:cNvPr id="4" name="内容占位符 3">
-            <a:extLst>
-              <a:ext uri="{FF2B5EF4-FFF2-40B4-BE49-F238E27FC236}">
-                <a16:creationId xmlns:a16="http://schemas.microsoft.com/office/drawing/2014/main" id="{7BA04DFF-837C-412B-A77B-6E3936DA8BE1}"/>
-              </a:ext>
-            </a:extLst>
-          </p:cNvPr>
+            <a:endParaRPr lang="zh-CN" altLang="en-US"/>
+          </a:p>
+        </p:txBody>
+      </p:sp>
+      <p:sp>
+        <p:nvSpPr>
+          <p:cNvPr id="4" name="内容占位符 3"/>
           <p:cNvSpPr>
             <a:spLocks noGrp="1"/>
           </p:cNvSpPr>
@@ -1631,6 +1415,7 @@
               <a:rPr lang="zh-CN" altLang="en-US"/>
               <a:t>单击此处编辑母版文本样式</a:t>
             </a:r>
+            <a:endParaRPr lang="zh-CN" altLang="en-US"/>
           </a:p>
           <a:p>
             <a:pPr lvl="1"/>
@@ -1638,6 +1423,7 @@
               <a:rPr lang="zh-CN" altLang="en-US"/>
               <a:t>二级</a:t>
             </a:r>
+            <a:endParaRPr lang="zh-CN" altLang="en-US"/>
           </a:p>
           <a:p>
             <a:pPr lvl="2"/>
@@ -1645,6 +1431,7 @@
               <a:rPr lang="zh-CN" altLang="en-US"/>
               <a:t>三级</a:t>
             </a:r>
+            <a:endParaRPr lang="zh-CN" altLang="en-US"/>
           </a:p>
           <a:p>
             <a:pPr lvl="3"/>
@@ -1652,6 +1439,7 @@
               <a:rPr lang="zh-CN" altLang="en-US"/>
               <a:t>四级</a:t>
             </a:r>
+            <a:endParaRPr lang="zh-CN" altLang="en-US"/>
           </a:p>
           <a:p>
             <a:pPr lvl="4"/>
@@ -1659,18 +1447,13 @@
               <a:rPr lang="zh-CN" altLang="en-US"/>
               <a:t>五级</a:t>
             </a:r>
-          </a:p>
-        </p:txBody>
-      </p:sp>
-      <p:sp>
-        <p:nvSpPr>
-          <p:cNvPr id="5" name="文本占位符 4">
-            <a:extLst>
-              <a:ext uri="{FF2B5EF4-FFF2-40B4-BE49-F238E27FC236}">
-                <a16:creationId xmlns:a16="http://schemas.microsoft.com/office/drawing/2014/main" id="{881C0A69-51BD-44F3-94A9-DD0457AFD502}"/>
-              </a:ext>
-            </a:extLst>
-          </p:cNvPr>
+            <a:endParaRPr lang="zh-CN" altLang="en-US"/>
+          </a:p>
+        </p:txBody>
+      </p:sp>
+      <p:sp>
+        <p:nvSpPr>
+          <p:cNvPr id="5" name="文本占位符 4"/>
           <p:cNvSpPr>
             <a:spLocks noGrp="1"/>
           </p:cNvSpPr>
@@ -1730,18 +1513,13 @@
               <a:rPr lang="zh-CN" altLang="en-US"/>
               <a:t>单击此处编辑母版文本样式</a:t>
             </a:r>
-          </a:p>
-        </p:txBody>
-      </p:sp>
-      <p:sp>
-        <p:nvSpPr>
-          <p:cNvPr id="6" name="内容占位符 5">
-            <a:extLst>
-              <a:ext uri="{FF2B5EF4-FFF2-40B4-BE49-F238E27FC236}">
-                <a16:creationId xmlns:a16="http://schemas.microsoft.com/office/drawing/2014/main" id="{E2E381AE-DC2F-48E2-876F-1E1262422741}"/>
-              </a:ext>
-            </a:extLst>
-          </p:cNvPr>
+            <a:endParaRPr lang="zh-CN" altLang="en-US"/>
+          </a:p>
+        </p:txBody>
+      </p:sp>
+      <p:sp>
+        <p:nvSpPr>
+          <p:cNvPr id="6" name="内容占位符 5"/>
           <p:cNvSpPr>
             <a:spLocks noGrp="1"/>
           </p:cNvSpPr>
@@ -1764,6 +1542,7 @@
               <a:rPr lang="zh-CN" altLang="en-US"/>
               <a:t>单击此处编辑母版文本样式</a:t>
             </a:r>
+            <a:endParaRPr lang="zh-CN" altLang="en-US"/>
           </a:p>
           <a:p>
             <a:pPr lvl="1"/>
@@ -1771,6 +1550,7 @@
               <a:rPr lang="zh-CN" altLang="en-US"/>
               <a:t>二级</a:t>
             </a:r>
+            <a:endParaRPr lang="zh-CN" altLang="en-US"/>
           </a:p>
           <a:p>
             <a:pPr lvl="2"/>
@@ -1778,6 +1558,7 @@
               <a:rPr lang="zh-CN" altLang="en-US"/>
               <a:t>三级</a:t>
             </a:r>
+            <a:endParaRPr lang="zh-CN" altLang="en-US"/>
           </a:p>
           <a:p>
             <a:pPr lvl="3"/>
@@ -1785,6 +1566,7 @@
               <a:rPr lang="zh-CN" altLang="en-US"/>
               <a:t>四级</a:t>
             </a:r>
+            <a:endParaRPr lang="zh-CN" altLang="en-US"/>
           </a:p>
           <a:p>
             <a:pPr lvl="4"/>
@@ -1792,18 +1574,13 @@
               <a:rPr lang="zh-CN" altLang="en-US"/>
               <a:t>五级</a:t>
             </a:r>
-          </a:p>
-        </p:txBody>
-      </p:sp>
-      <p:sp>
-        <p:nvSpPr>
-          <p:cNvPr id="7" name="日期占位符 6">
-            <a:extLst>
-              <a:ext uri="{FF2B5EF4-FFF2-40B4-BE49-F238E27FC236}">
-                <a16:creationId xmlns:a16="http://schemas.microsoft.com/office/drawing/2014/main" id="{95554B51-AAE0-48FF-B888-A68BA531FB8B}"/>
-              </a:ext>
-            </a:extLst>
-          </p:cNvPr>
+            <a:endParaRPr lang="zh-CN" altLang="en-US"/>
+          </a:p>
+        </p:txBody>
+      </p:sp>
+      <p:sp>
+        <p:nvSpPr>
+          <p:cNvPr id="7" name="日期占位符 6"/>
           <p:cNvSpPr>
             <a:spLocks noGrp="1"/>
           </p:cNvSpPr>
@@ -1818,7 +1595,6 @@
           <a:p>
             <a:fld id="{9ABC01B4-603B-41CF-9446-2DD65347BF34}" type="datetimeFigureOut">
               <a:rPr lang="zh-CN" altLang="en-US" smtClean="0"/>
-              <a:t>2020/10/17</a:t>
             </a:fld>
             <a:endParaRPr lang="zh-CN" altLang="en-US"/>
           </a:p>
@@ -1826,13 +1602,7 @@
       </p:sp>
       <p:sp>
         <p:nvSpPr>
-          <p:cNvPr id="8" name="页脚占位符 7">
-            <a:extLst>
-              <a:ext uri="{FF2B5EF4-FFF2-40B4-BE49-F238E27FC236}">
-                <a16:creationId xmlns:a16="http://schemas.microsoft.com/office/drawing/2014/main" id="{06953678-0607-4E43-81A3-0BED255D933C}"/>
-              </a:ext>
-            </a:extLst>
-          </p:cNvPr>
+          <p:cNvPr id="8" name="页脚占位符 7"/>
           <p:cNvSpPr>
             <a:spLocks noGrp="1"/>
           </p:cNvSpPr>
@@ -1851,13 +1621,7 @@
       </p:sp>
       <p:sp>
         <p:nvSpPr>
-          <p:cNvPr id="9" name="灯片编号占位符 8">
-            <a:extLst>
-              <a:ext uri="{FF2B5EF4-FFF2-40B4-BE49-F238E27FC236}">
-                <a16:creationId xmlns:a16="http://schemas.microsoft.com/office/drawing/2014/main" id="{DBBA0842-75DC-49AE-998F-96A9E05CA6F3}"/>
-              </a:ext>
-            </a:extLst>
-          </p:cNvPr>
+          <p:cNvPr id="9" name="灯片编号占位符 8"/>
           <p:cNvSpPr>
             <a:spLocks noGrp="1"/>
           </p:cNvSpPr>
@@ -1872,18 +1636,12 @@
           <a:p>
             <a:fld id="{060C79FF-370F-44B3-9F23-9833C9EA6AF1}" type="slidenum">
               <a:rPr lang="zh-CN" altLang="en-US" smtClean="0"/>
-              <a:t>‹#›</a:t>
             </a:fld>
             <a:endParaRPr lang="zh-CN" altLang="en-US"/>
           </a:p>
         </p:txBody>
       </p:sp>
     </p:spTree>
-    <p:extLst>
-      <p:ext uri="{BB962C8B-B14F-4D97-AF65-F5344CB8AC3E}">
-        <p14:creationId xmlns:p14="http://schemas.microsoft.com/office/powerpoint/2010/main" val="3545451650"/>
-      </p:ext>
-    </p:extLst>
   </p:cSld>
   <p:clrMapOvr>
     <a:masterClrMapping/>
@@ -1910,13 +1668,7 @@
       </p:grpSpPr>
       <p:sp>
         <p:nvSpPr>
-          <p:cNvPr id="2" name="标题 1">
-            <a:extLst>
-              <a:ext uri="{FF2B5EF4-FFF2-40B4-BE49-F238E27FC236}">
-                <a16:creationId xmlns:a16="http://schemas.microsoft.com/office/drawing/2014/main" id="{BC65F6DD-5439-4A1D-822B-AA5DC8D6E468}"/>
-              </a:ext>
-            </a:extLst>
-          </p:cNvPr>
+          <p:cNvPr id="2" name="标题 1"/>
           <p:cNvSpPr>
             <a:spLocks noGrp="1"/>
           </p:cNvSpPr>
@@ -1933,18 +1685,13 @@
               <a:rPr lang="zh-CN" altLang="en-US"/>
               <a:t>单击此处编辑母版标题样式</a:t>
             </a:r>
-          </a:p>
-        </p:txBody>
-      </p:sp>
-      <p:sp>
-        <p:nvSpPr>
-          <p:cNvPr id="3" name="日期占位符 2">
-            <a:extLst>
-              <a:ext uri="{FF2B5EF4-FFF2-40B4-BE49-F238E27FC236}">
-                <a16:creationId xmlns:a16="http://schemas.microsoft.com/office/drawing/2014/main" id="{A8E9B4C5-2D5D-4D53-B067-E3C96D0D34BF}"/>
-              </a:ext>
-            </a:extLst>
-          </p:cNvPr>
+            <a:endParaRPr lang="zh-CN" altLang="en-US"/>
+          </a:p>
+        </p:txBody>
+      </p:sp>
+      <p:sp>
+        <p:nvSpPr>
+          <p:cNvPr id="3" name="日期占位符 2"/>
           <p:cNvSpPr>
             <a:spLocks noGrp="1"/>
           </p:cNvSpPr>
@@ -1959,7 +1706,6 @@
           <a:p>
             <a:fld id="{9ABC01B4-603B-41CF-9446-2DD65347BF34}" type="datetimeFigureOut">
               <a:rPr lang="zh-CN" altLang="en-US" smtClean="0"/>
-              <a:t>2020/10/17</a:t>
             </a:fld>
             <a:endParaRPr lang="zh-CN" altLang="en-US"/>
           </a:p>
@@ -1967,13 +1713,7 @@
       </p:sp>
       <p:sp>
         <p:nvSpPr>
-          <p:cNvPr id="4" name="页脚占位符 3">
-            <a:extLst>
-              <a:ext uri="{FF2B5EF4-FFF2-40B4-BE49-F238E27FC236}">
-                <a16:creationId xmlns:a16="http://schemas.microsoft.com/office/drawing/2014/main" id="{D35662CB-CB92-4378-A937-E155D734C368}"/>
-              </a:ext>
-            </a:extLst>
-          </p:cNvPr>
+          <p:cNvPr id="4" name="页脚占位符 3"/>
           <p:cNvSpPr>
             <a:spLocks noGrp="1"/>
           </p:cNvSpPr>
@@ -1992,13 +1732,7 @@
       </p:sp>
       <p:sp>
         <p:nvSpPr>
-          <p:cNvPr id="5" name="灯片编号占位符 4">
-            <a:extLst>
-              <a:ext uri="{FF2B5EF4-FFF2-40B4-BE49-F238E27FC236}">
-                <a16:creationId xmlns:a16="http://schemas.microsoft.com/office/drawing/2014/main" id="{465E7EC8-5B79-4ED3-9927-8B11D69E5926}"/>
-              </a:ext>
-            </a:extLst>
-          </p:cNvPr>
+          <p:cNvPr id="5" name="灯片编号占位符 4"/>
           <p:cNvSpPr>
             <a:spLocks noGrp="1"/>
           </p:cNvSpPr>
@@ -2013,18 +1747,12 @@
           <a:p>
             <a:fld id="{060C79FF-370F-44B3-9F23-9833C9EA6AF1}" type="slidenum">
               <a:rPr lang="zh-CN" altLang="en-US" smtClean="0"/>
-              <a:t>‹#›</a:t>
             </a:fld>
             <a:endParaRPr lang="zh-CN" altLang="en-US"/>
           </a:p>
         </p:txBody>
       </p:sp>
     </p:spTree>
-    <p:extLst>
-      <p:ext uri="{BB962C8B-B14F-4D97-AF65-F5344CB8AC3E}">
-        <p14:creationId xmlns:p14="http://schemas.microsoft.com/office/powerpoint/2010/main" val="3453444739"/>
-      </p:ext>
-    </p:extLst>
   </p:cSld>
   <p:clrMapOvr>
     <a:masterClrMapping/>
@@ -2051,13 +1779,7 @@
       </p:grpSpPr>
       <p:sp>
         <p:nvSpPr>
-          <p:cNvPr id="2" name="日期占位符 1">
-            <a:extLst>
-              <a:ext uri="{FF2B5EF4-FFF2-40B4-BE49-F238E27FC236}">
-                <a16:creationId xmlns:a16="http://schemas.microsoft.com/office/drawing/2014/main" id="{05A1B387-E09C-43D5-961A-BDB5CEBCFAE4}"/>
-              </a:ext>
-            </a:extLst>
-          </p:cNvPr>
+          <p:cNvPr id="2" name="日期占位符 1"/>
           <p:cNvSpPr>
             <a:spLocks noGrp="1"/>
           </p:cNvSpPr>
@@ -2072,7 +1794,6 @@
           <a:p>
             <a:fld id="{9ABC01B4-603B-41CF-9446-2DD65347BF34}" type="datetimeFigureOut">
               <a:rPr lang="zh-CN" altLang="en-US" smtClean="0"/>
-              <a:t>2020/10/17</a:t>
             </a:fld>
             <a:endParaRPr lang="zh-CN" altLang="en-US"/>
           </a:p>
@@ -2080,13 +1801,7 @@
       </p:sp>
       <p:sp>
         <p:nvSpPr>
-          <p:cNvPr id="3" name="页脚占位符 2">
-            <a:extLst>
-              <a:ext uri="{FF2B5EF4-FFF2-40B4-BE49-F238E27FC236}">
-                <a16:creationId xmlns:a16="http://schemas.microsoft.com/office/drawing/2014/main" id="{1A678C12-5267-4996-AC35-B65297BA7D16}"/>
-              </a:ext>
-            </a:extLst>
-          </p:cNvPr>
+          <p:cNvPr id="3" name="页脚占位符 2"/>
           <p:cNvSpPr>
             <a:spLocks noGrp="1"/>
           </p:cNvSpPr>
@@ -2105,13 +1820,7 @@
       </p:sp>
       <p:sp>
         <p:nvSpPr>
-          <p:cNvPr id="4" name="灯片编号占位符 3">
-            <a:extLst>
-              <a:ext uri="{FF2B5EF4-FFF2-40B4-BE49-F238E27FC236}">
-                <a16:creationId xmlns:a16="http://schemas.microsoft.com/office/drawing/2014/main" id="{90A60681-99BF-4EBB-B815-052DC0D5F3BE}"/>
-              </a:ext>
-            </a:extLst>
-          </p:cNvPr>
+          <p:cNvPr id="4" name="灯片编号占位符 3"/>
           <p:cNvSpPr>
             <a:spLocks noGrp="1"/>
           </p:cNvSpPr>
@@ -2126,18 +1835,12 @@
           <a:p>
             <a:fld id="{060C79FF-370F-44B3-9F23-9833C9EA6AF1}" type="slidenum">
               <a:rPr lang="zh-CN" altLang="en-US" smtClean="0"/>
-              <a:t>‹#›</a:t>
             </a:fld>
             <a:endParaRPr lang="zh-CN" altLang="en-US"/>
           </a:p>
         </p:txBody>
       </p:sp>
     </p:spTree>
-    <p:extLst>
-      <p:ext uri="{BB962C8B-B14F-4D97-AF65-F5344CB8AC3E}">
-        <p14:creationId xmlns:p14="http://schemas.microsoft.com/office/powerpoint/2010/main" val="683362643"/>
-      </p:ext>
-    </p:extLst>
   </p:cSld>
   <p:clrMapOvr>
     <a:masterClrMapping/>
@@ -2164,13 +1867,7 @@
       </p:grpSpPr>
       <p:sp>
         <p:nvSpPr>
-          <p:cNvPr id="2" name="标题 1">
-            <a:extLst>
-              <a:ext uri="{FF2B5EF4-FFF2-40B4-BE49-F238E27FC236}">
-                <a16:creationId xmlns:a16="http://schemas.microsoft.com/office/drawing/2014/main" id="{B3EB9C47-5642-42B8-B370-29DEE7F3639E}"/>
-              </a:ext>
-            </a:extLst>
-          </p:cNvPr>
+          <p:cNvPr id="2" name="标题 1"/>
           <p:cNvSpPr>
             <a:spLocks noGrp="1"/>
           </p:cNvSpPr>
@@ -2196,18 +1893,13 @@
               <a:rPr lang="zh-CN" altLang="en-US"/>
               <a:t>单击此处编辑母版标题样式</a:t>
             </a:r>
-          </a:p>
-        </p:txBody>
-      </p:sp>
-      <p:sp>
-        <p:nvSpPr>
-          <p:cNvPr id="3" name="内容占位符 2">
-            <a:extLst>
-              <a:ext uri="{FF2B5EF4-FFF2-40B4-BE49-F238E27FC236}">
-                <a16:creationId xmlns:a16="http://schemas.microsoft.com/office/drawing/2014/main" id="{A741837B-F1A0-4F21-B4FB-360C51543C62}"/>
-              </a:ext>
-            </a:extLst>
-          </p:cNvPr>
+            <a:endParaRPr lang="zh-CN" altLang="en-US"/>
+          </a:p>
+        </p:txBody>
+      </p:sp>
+      <p:sp>
+        <p:nvSpPr>
+          <p:cNvPr id="3" name="内容占位符 2"/>
           <p:cNvSpPr>
             <a:spLocks noGrp="1"/>
           </p:cNvSpPr>
@@ -2258,6 +1950,7 @@
               <a:rPr lang="zh-CN" altLang="en-US"/>
               <a:t>单击此处编辑母版文本样式</a:t>
             </a:r>
+            <a:endParaRPr lang="zh-CN" altLang="en-US"/>
           </a:p>
           <a:p>
             <a:pPr lvl="1"/>
@@ -2265,6 +1958,7 @@
               <a:rPr lang="zh-CN" altLang="en-US"/>
               <a:t>二级</a:t>
             </a:r>
+            <a:endParaRPr lang="zh-CN" altLang="en-US"/>
           </a:p>
           <a:p>
             <a:pPr lvl="2"/>
@@ -2272,6 +1966,7 @@
               <a:rPr lang="zh-CN" altLang="en-US"/>
               <a:t>三级</a:t>
             </a:r>
+            <a:endParaRPr lang="zh-CN" altLang="en-US"/>
           </a:p>
           <a:p>
             <a:pPr lvl="3"/>
@@ -2279,6 +1974,7 @@
               <a:rPr lang="zh-CN" altLang="en-US"/>
               <a:t>四级</a:t>
             </a:r>
+            <a:endParaRPr lang="zh-CN" altLang="en-US"/>
           </a:p>
           <a:p>
             <a:pPr lvl="4"/>
@@ -2286,18 +1982,13 @@
               <a:rPr lang="zh-CN" altLang="en-US"/>
               <a:t>五级</a:t>
             </a:r>
-          </a:p>
-        </p:txBody>
-      </p:sp>
-      <p:sp>
-        <p:nvSpPr>
-          <p:cNvPr id="4" name="文本占位符 3">
-            <a:extLst>
-              <a:ext uri="{FF2B5EF4-FFF2-40B4-BE49-F238E27FC236}">
-                <a16:creationId xmlns:a16="http://schemas.microsoft.com/office/drawing/2014/main" id="{4A52CD00-C20F-462E-8896-2AC599E856B5}"/>
-              </a:ext>
-            </a:extLst>
-          </p:cNvPr>
+            <a:endParaRPr lang="zh-CN" altLang="en-US"/>
+          </a:p>
+        </p:txBody>
+      </p:sp>
+      <p:sp>
+        <p:nvSpPr>
+          <p:cNvPr id="4" name="文本占位符 3"/>
           <p:cNvSpPr>
             <a:spLocks noGrp="1"/>
           </p:cNvSpPr>
@@ -2357,18 +2048,13 @@
               <a:rPr lang="zh-CN" altLang="en-US"/>
               <a:t>单击此处编辑母版文本样式</a:t>
             </a:r>
-          </a:p>
-        </p:txBody>
-      </p:sp>
-      <p:sp>
-        <p:nvSpPr>
-          <p:cNvPr id="5" name="日期占位符 4">
-            <a:extLst>
-              <a:ext uri="{FF2B5EF4-FFF2-40B4-BE49-F238E27FC236}">
-                <a16:creationId xmlns:a16="http://schemas.microsoft.com/office/drawing/2014/main" id="{EC60F3BF-7963-428F-B9A8-A7F38609D85D}"/>
-              </a:ext>
-            </a:extLst>
-          </p:cNvPr>
+            <a:endParaRPr lang="zh-CN" altLang="en-US"/>
+          </a:p>
+        </p:txBody>
+      </p:sp>
+      <p:sp>
+        <p:nvSpPr>
+          <p:cNvPr id="5" name="日期占位符 4"/>
           <p:cNvSpPr>
             <a:spLocks noGrp="1"/>
           </p:cNvSpPr>
@@ -2383,7 +2069,6 @@
           <a:p>
             <a:fld id="{9ABC01B4-603B-41CF-9446-2DD65347BF34}" type="datetimeFigureOut">
               <a:rPr lang="zh-CN" altLang="en-US" smtClean="0"/>
-              <a:t>2020/10/17</a:t>
             </a:fld>
             <a:endParaRPr lang="zh-CN" altLang="en-US"/>
           </a:p>
@@ -2391,13 +2076,7 @@
       </p:sp>
       <p:sp>
         <p:nvSpPr>
-          <p:cNvPr id="6" name="页脚占位符 5">
-            <a:extLst>
-              <a:ext uri="{FF2B5EF4-FFF2-40B4-BE49-F238E27FC236}">
-                <a16:creationId xmlns:a16="http://schemas.microsoft.com/office/drawing/2014/main" id="{28C51C62-FFC2-496E-8535-693DE4D24BBB}"/>
-              </a:ext>
-            </a:extLst>
-          </p:cNvPr>
+          <p:cNvPr id="6" name="页脚占位符 5"/>
           <p:cNvSpPr>
             <a:spLocks noGrp="1"/>
           </p:cNvSpPr>
@@ -2416,13 +2095,7 @@
       </p:sp>
       <p:sp>
         <p:nvSpPr>
-          <p:cNvPr id="7" name="灯片编号占位符 6">
-            <a:extLst>
-              <a:ext uri="{FF2B5EF4-FFF2-40B4-BE49-F238E27FC236}">
-                <a16:creationId xmlns:a16="http://schemas.microsoft.com/office/drawing/2014/main" id="{4282E2F4-1501-4B19-803D-48A8E8A716F1}"/>
-              </a:ext>
-            </a:extLst>
-          </p:cNvPr>
+          <p:cNvPr id="7" name="灯片编号占位符 6"/>
           <p:cNvSpPr>
             <a:spLocks noGrp="1"/>
           </p:cNvSpPr>
@@ -2437,18 +2110,12 @@
           <a:p>
             <a:fld id="{060C79FF-370F-44B3-9F23-9833C9EA6AF1}" type="slidenum">
               <a:rPr lang="zh-CN" altLang="en-US" smtClean="0"/>
-              <a:t>‹#›</a:t>
             </a:fld>
             <a:endParaRPr lang="zh-CN" altLang="en-US"/>
           </a:p>
         </p:txBody>
       </p:sp>
     </p:spTree>
-    <p:extLst>
-      <p:ext uri="{BB962C8B-B14F-4D97-AF65-F5344CB8AC3E}">
-        <p14:creationId xmlns:p14="http://schemas.microsoft.com/office/powerpoint/2010/main" val="2789863343"/>
-      </p:ext>
-    </p:extLst>
   </p:cSld>
   <p:clrMapOvr>
     <a:masterClrMapping/>
@@ -2475,13 +2142,7 @@
       </p:grpSpPr>
       <p:sp>
         <p:nvSpPr>
-          <p:cNvPr id="2" name="标题 1">
-            <a:extLst>
-              <a:ext uri="{FF2B5EF4-FFF2-40B4-BE49-F238E27FC236}">
-                <a16:creationId xmlns:a16="http://schemas.microsoft.com/office/drawing/2014/main" id="{06298095-EE85-4AC4-B399-F0D8558DBFB9}"/>
-              </a:ext>
-            </a:extLst>
-          </p:cNvPr>
+          <p:cNvPr id="2" name="标题 1"/>
           <p:cNvSpPr>
             <a:spLocks noGrp="1"/>
           </p:cNvSpPr>
@@ -2507,18 +2168,13 @@
               <a:rPr lang="zh-CN" altLang="en-US"/>
               <a:t>单击此处编辑母版标题样式</a:t>
             </a:r>
-          </a:p>
-        </p:txBody>
-      </p:sp>
-      <p:sp>
-        <p:nvSpPr>
-          <p:cNvPr id="3" name="图片占位符 2">
-            <a:extLst>
-              <a:ext uri="{FF2B5EF4-FFF2-40B4-BE49-F238E27FC236}">
-                <a16:creationId xmlns:a16="http://schemas.microsoft.com/office/drawing/2014/main" id="{F0A1DC3C-B106-4F80-A8A4-390ACCFCE715}"/>
-              </a:ext>
-            </a:extLst>
-          </p:cNvPr>
+            <a:endParaRPr lang="zh-CN" altLang="en-US"/>
+          </a:p>
+        </p:txBody>
+      </p:sp>
+      <p:sp>
+        <p:nvSpPr>
+          <p:cNvPr id="3" name="图片占位符 2"/>
           <p:cNvSpPr>
             <a:spLocks noGrp="1"/>
           </p:cNvSpPr>
@@ -2579,13 +2235,7 @@
       </p:sp>
       <p:sp>
         <p:nvSpPr>
-          <p:cNvPr id="4" name="文本占位符 3">
-            <a:extLst>
-              <a:ext uri="{FF2B5EF4-FFF2-40B4-BE49-F238E27FC236}">
-                <a16:creationId xmlns:a16="http://schemas.microsoft.com/office/drawing/2014/main" id="{49A73019-482B-4C39-AFB7-0823EC354391}"/>
-              </a:ext>
-            </a:extLst>
-          </p:cNvPr>
+          <p:cNvPr id="4" name="文本占位符 3"/>
           <p:cNvSpPr>
             <a:spLocks noGrp="1"/>
           </p:cNvSpPr>
@@ -2645,18 +2295,13 @@
               <a:rPr lang="zh-CN" altLang="en-US"/>
               <a:t>单击此处编辑母版文本样式</a:t>
             </a:r>
-          </a:p>
-        </p:txBody>
-      </p:sp>
-      <p:sp>
-        <p:nvSpPr>
-          <p:cNvPr id="5" name="日期占位符 4">
-            <a:extLst>
-              <a:ext uri="{FF2B5EF4-FFF2-40B4-BE49-F238E27FC236}">
-                <a16:creationId xmlns:a16="http://schemas.microsoft.com/office/drawing/2014/main" id="{25E82207-A5B7-4395-B7C2-107126B6C25C}"/>
-              </a:ext>
-            </a:extLst>
-          </p:cNvPr>
+            <a:endParaRPr lang="zh-CN" altLang="en-US"/>
+          </a:p>
+        </p:txBody>
+      </p:sp>
+      <p:sp>
+        <p:nvSpPr>
+          <p:cNvPr id="5" name="日期占位符 4"/>
           <p:cNvSpPr>
             <a:spLocks noGrp="1"/>
           </p:cNvSpPr>
@@ -2671,7 +2316,6 @@
           <a:p>
             <a:fld id="{9ABC01B4-603B-41CF-9446-2DD65347BF34}" type="datetimeFigureOut">
               <a:rPr lang="zh-CN" altLang="en-US" smtClean="0"/>
-              <a:t>2020/10/17</a:t>
             </a:fld>
             <a:endParaRPr lang="zh-CN" altLang="en-US"/>
           </a:p>
@@ -2679,13 +2323,7 @@
       </p:sp>
       <p:sp>
         <p:nvSpPr>
-          <p:cNvPr id="6" name="页脚占位符 5">
-            <a:extLst>
-              <a:ext uri="{FF2B5EF4-FFF2-40B4-BE49-F238E27FC236}">
-                <a16:creationId xmlns:a16="http://schemas.microsoft.com/office/drawing/2014/main" id="{0A603236-CD49-4BAE-B569-A0DF00AE4A4E}"/>
-              </a:ext>
-            </a:extLst>
-          </p:cNvPr>
+          <p:cNvPr id="6" name="页脚占位符 5"/>
           <p:cNvSpPr>
             <a:spLocks noGrp="1"/>
           </p:cNvSpPr>
@@ -2704,13 +2342,7 @@
       </p:sp>
       <p:sp>
         <p:nvSpPr>
-          <p:cNvPr id="7" name="灯片编号占位符 6">
-            <a:extLst>
-              <a:ext uri="{FF2B5EF4-FFF2-40B4-BE49-F238E27FC236}">
-                <a16:creationId xmlns:a16="http://schemas.microsoft.com/office/drawing/2014/main" id="{3F1702B6-E4B3-471B-99AB-C4F28DC4DE4B}"/>
-              </a:ext>
-            </a:extLst>
-          </p:cNvPr>
+          <p:cNvPr id="7" name="灯片编号占位符 6"/>
           <p:cNvSpPr>
             <a:spLocks noGrp="1"/>
           </p:cNvSpPr>
@@ -2725,18 +2357,12 @@
           <a:p>
             <a:fld id="{060C79FF-370F-44B3-9F23-9833C9EA6AF1}" type="slidenum">
               <a:rPr lang="zh-CN" altLang="en-US" smtClean="0"/>
-              <a:t>‹#›</a:t>
             </a:fld>
             <a:endParaRPr lang="zh-CN" altLang="en-US"/>
           </a:p>
         </p:txBody>
       </p:sp>
     </p:spTree>
-    <p:extLst>
-      <p:ext uri="{BB962C8B-B14F-4D97-AF65-F5344CB8AC3E}">
-        <p14:creationId xmlns:p14="http://schemas.microsoft.com/office/powerpoint/2010/main" val="1919608704"/>
-      </p:ext>
-    </p:extLst>
   </p:cSld>
   <p:clrMapOvr>
     <a:masterClrMapping/>
@@ -2768,13 +2394,7 @@
       </p:grpSpPr>
       <p:sp>
         <p:nvSpPr>
-          <p:cNvPr id="2" name="标题占位符 1">
-            <a:extLst>
-              <a:ext uri="{FF2B5EF4-FFF2-40B4-BE49-F238E27FC236}">
-                <a16:creationId xmlns:a16="http://schemas.microsoft.com/office/drawing/2014/main" id="{2C36CA17-BD45-4796-9BF7-22DE615720BC}"/>
-              </a:ext>
-            </a:extLst>
-          </p:cNvPr>
+          <p:cNvPr id="2" name="标题占位符 1"/>
           <p:cNvSpPr>
             <a:spLocks noGrp="1"/>
           </p:cNvSpPr>
@@ -2801,18 +2421,13 @@
               <a:rPr lang="zh-CN" altLang="en-US"/>
               <a:t>单击此处编辑母版标题样式</a:t>
             </a:r>
-          </a:p>
-        </p:txBody>
-      </p:sp>
-      <p:sp>
-        <p:nvSpPr>
-          <p:cNvPr id="3" name="文本占位符 2">
-            <a:extLst>
-              <a:ext uri="{FF2B5EF4-FFF2-40B4-BE49-F238E27FC236}">
-                <a16:creationId xmlns:a16="http://schemas.microsoft.com/office/drawing/2014/main" id="{A2078B6D-B09D-4AF5-A30E-82E4CC2086AC}"/>
-              </a:ext>
-            </a:extLst>
-          </p:cNvPr>
+            <a:endParaRPr lang="zh-CN" altLang="en-US"/>
+          </a:p>
+        </p:txBody>
+      </p:sp>
+      <p:sp>
+        <p:nvSpPr>
+          <p:cNvPr id="3" name="文本占位符 2"/>
           <p:cNvSpPr>
             <a:spLocks noGrp="1"/>
           </p:cNvSpPr>
@@ -2840,6 +2455,7 @@
               <a:rPr lang="zh-CN" altLang="en-US"/>
               <a:t>单击此处编辑母版文本样式</a:t>
             </a:r>
+            <a:endParaRPr lang="zh-CN" altLang="en-US"/>
           </a:p>
           <a:p>
             <a:pPr lvl="1"/>
@@ -2847,6 +2463,7 @@
               <a:rPr lang="zh-CN" altLang="en-US"/>
               <a:t>二级</a:t>
             </a:r>
+            <a:endParaRPr lang="zh-CN" altLang="en-US"/>
           </a:p>
           <a:p>
             <a:pPr lvl="2"/>
@@ -2854,6 +2471,7 @@
               <a:rPr lang="zh-CN" altLang="en-US"/>
               <a:t>三级</a:t>
             </a:r>
+            <a:endParaRPr lang="zh-CN" altLang="en-US"/>
           </a:p>
           <a:p>
             <a:pPr lvl="3"/>
@@ -2861,6 +2479,7 @@
               <a:rPr lang="zh-CN" altLang="en-US"/>
               <a:t>四级</a:t>
             </a:r>
+            <a:endParaRPr lang="zh-CN" altLang="en-US"/>
           </a:p>
           <a:p>
             <a:pPr lvl="4"/>
@@ -2868,18 +2487,13 @@
               <a:rPr lang="zh-CN" altLang="en-US"/>
               <a:t>五级</a:t>
             </a:r>
-          </a:p>
-        </p:txBody>
-      </p:sp>
-      <p:sp>
-        <p:nvSpPr>
-          <p:cNvPr id="4" name="日期占位符 3">
-            <a:extLst>
-              <a:ext uri="{FF2B5EF4-FFF2-40B4-BE49-F238E27FC236}">
-                <a16:creationId xmlns:a16="http://schemas.microsoft.com/office/drawing/2014/main" id="{75D26707-7236-4A40-AD90-1D01DA2A45FD}"/>
-              </a:ext>
-            </a:extLst>
-          </p:cNvPr>
+            <a:endParaRPr lang="zh-CN" altLang="en-US"/>
+          </a:p>
+        </p:txBody>
+      </p:sp>
+      <p:sp>
+        <p:nvSpPr>
+          <p:cNvPr id="4" name="日期占位符 3"/>
           <p:cNvSpPr>
             <a:spLocks noGrp="1"/>
           </p:cNvSpPr>
@@ -2912,7 +2526,6 @@
           <a:p>
             <a:fld id="{9ABC01B4-603B-41CF-9446-2DD65347BF34}" type="datetimeFigureOut">
               <a:rPr lang="zh-CN" altLang="en-US" smtClean="0"/>
-              <a:t>2020/10/17</a:t>
             </a:fld>
             <a:endParaRPr lang="zh-CN" altLang="en-US"/>
           </a:p>
@@ -2920,13 +2533,7 @@
       </p:sp>
       <p:sp>
         <p:nvSpPr>
-          <p:cNvPr id="5" name="页脚占位符 4">
-            <a:extLst>
-              <a:ext uri="{FF2B5EF4-FFF2-40B4-BE49-F238E27FC236}">
-                <a16:creationId xmlns:a16="http://schemas.microsoft.com/office/drawing/2014/main" id="{B1B46770-A2DE-4669-B580-BBB8E2562220}"/>
-              </a:ext>
-            </a:extLst>
-          </p:cNvPr>
+          <p:cNvPr id="5" name="页脚占位符 4"/>
           <p:cNvSpPr>
             <a:spLocks noGrp="1"/>
           </p:cNvSpPr>
@@ -2963,13 +2570,7 @@
       </p:sp>
       <p:sp>
         <p:nvSpPr>
-          <p:cNvPr id="6" name="灯片编号占位符 5">
-            <a:extLst>
-              <a:ext uri="{FF2B5EF4-FFF2-40B4-BE49-F238E27FC236}">
-                <a16:creationId xmlns:a16="http://schemas.microsoft.com/office/drawing/2014/main" id="{E2109122-3E92-4E68-AA4C-85230559E975}"/>
-              </a:ext>
-            </a:extLst>
-          </p:cNvPr>
+          <p:cNvPr id="6" name="灯片编号占位符 5"/>
           <p:cNvSpPr>
             <a:spLocks noGrp="1"/>
           </p:cNvSpPr>
@@ -3002,18 +2603,12 @@
           <a:p>
             <a:fld id="{060C79FF-370F-44B3-9F23-9833C9EA6AF1}" type="slidenum">
               <a:rPr lang="zh-CN" altLang="en-US" smtClean="0"/>
-              <a:t>‹#›</a:t>
             </a:fld>
             <a:endParaRPr lang="zh-CN" altLang="en-US"/>
           </a:p>
         </p:txBody>
       </p:sp>
     </p:spTree>
-    <p:extLst>
-      <p:ext uri="{BB962C8B-B14F-4D97-AF65-F5344CB8AC3E}">
-        <p14:creationId xmlns:p14="http://schemas.microsoft.com/office/powerpoint/2010/main" val="1529575837"/>
-      </p:ext>
-    </p:extLst>
   </p:cSld>
   <p:clrMap bg1="lt1" tx1="dk1" bg2="lt2" tx2="dk2" accent1="accent1" accent2="accent2" accent3="accent3" accent4="accent4" accent5="accent5" accent6="accent6" hlink="hlink" folHlink="folHlink"/>
   <p:sldLayoutIdLst>
@@ -3331,26 +2926,14 @@
       </p:grpSpPr>
       <p:pic>
         <p:nvPicPr>
-          <p:cNvPr id="5" name="图片 4" descr="图形用户界面, 应用程序&#10;&#10;描述已自动生成">
-            <a:extLst>
-              <a:ext uri="{FF2B5EF4-FFF2-40B4-BE49-F238E27FC236}">
-                <a16:creationId xmlns:a16="http://schemas.microsoft.com/office/drawing/2014/main" id="{EBFCC19B-7742-40B6-A9DA-B78F6DF26094}"/>
-              </a:ext>
-            </a:extLst>
-          </p:cNvPr>
+          <p:cNvPr id="5" name="图片 4" descr="图形用户界面, 应用程序&#10;&#10;描述已自动生成"/>
           <p:cNvPicPr>
             <a:picLocks noChangeAspect="1"/>
           </p:cNvPicPr>
           <p:nvPr/>
         </p:nvPicPr>
         <p:blipFill>
-          <a:blip r:embed="rId2">
-            <a:extLst>
-              <a:ext uri="{28A0092B-C50C-407E-A947-70E740481C1C}">
-                <a14:useLocalDpi xmlns:a14="http://schemas.microsoft.com/office/drawing/2010/main"/>
-              </a:ext>
-            </a:extLst>
-          </a:blip>
+          <a:blip r:embed="rId1"/>
           <a:stretch>
             <a:fillRect/>
           </a:stretch>
@@ -3367,13 +2950,7 @@
       </p:pic>
       <p:cxnSp>
         <p:nvCxnSpPr>
-          <p:cNvPr id="7" name="直接箭头连接符 6">
-            <a:extLst>
-              <a:ext uri="{FF2B5EF4-FFF2-40B4-BE49-F238E27FC236}">
-                <a16:creationId xmlns:a16="http://schemas.microsoft.com/office/drawing/2014/main" id="{5FB14ED8-47BE-4AF9-9DC3-7E3D1F4FC4C3}"/>
-              </a:ext>
-            </a:extLst>
-          </p:cNvPr>
+          <p:cNvPr id="7" name="直接箭头连接符 6"/>
           <p:cNvCxnSpPr/>
           <p:nvPr/>
         </p:nvCxnSpPr>
@@ -3406,13 +2983,7 @@
       </p:cxnSp>
       <p:sp>
         <p:nvSpPr>
-          <p:cNvPr id="8" name="文本框 7">
-            <a:extLst>
-              <a:ext uri="{FF2B5EF4-FFF2-40B4-BE49-F238E27FC236}">
-                <a16:creationId xmlns:a16="http://schemas.microsoft.com/office/drawing/2014/main" id="{A406DE20-9E61-4B14-8BDE-981D1900F4BF}"/>
-              </a:ext>
-            </a:extLst>
-          </p:cNvPr>
+          <p:cNvPr id="8" name="文本框 7"/>
           <p:cNvSpPr txBox="1"/>
           <p:nvPr/>
         </p:nvSpPr>
@@ -3446,13 +3017,7 @@
       </p:sp>
       <p:sp>
         <p:nvSpPr>
-          <p:cNvPr id="9" name="文本框 8">
-            <a:extLst>
-              <a:ext uri="{FF2B5EF4-FFF2-40B4-BE49-F238E27FC236}">
-                <a16:creationId xmlns:a16="http://schemas.microsoft.com/office/drawing/2014/main" id="{7C3E16F0-D54F-42CC-AB07-12378BEE68B3}"/>
-              </a:ext>
-            </a:extLst>
-          </p:cNvPr>
+          <p:cNvPr id="9" name="文本框 8"/>
           <p:cNvSpPr txBox="1"/>
           <p:nvPr/>
         </p:nvSpPr>
@@ -3476,18 +3041,13 @@
               <a:rPr lang="zh-CN" altLang="en-US" dirty="0"/>
               <a:t>点此处开始</a:t>
             </a:r>
+            <a:endParaRPr lang="zh-CN" altLang="en-US" dirty="0"/>
           </a:p>
         </p:txBody>
       </p:sp>
       <p:cxnSp>
         <p:nvCxnSpPr>
-          <p:cNvPr id="11" name="直接箭头连接符 10">
-            <a:extLst>
-              <a:ext uri="{FF2B5EF4-FFF2-40B4-BE49-F238E27FC236}">
-                <a16:creationId xmlns:a16="http://schemas.microsoft.com/office/drawing/2014/main" id="{9FE532C4-8024-449C-A37D-9B590531EC2F}"/>
-              </a:ext>
-            </a:extLst>
-          </p:cNvPr>
+          <p:cNvPr id="11" name="直接箭头连接符 10"/>
           <p:cNvCxnSpPr/>
           <p:nvPr/>
         </p:nvCxnSpPr>
@@ -3520,13 +3080,7 @@
       </p:cxnSp>
       <p:cxnSp>
         <p:nvCxnSpPr>
-          <p:cNvPr id="13" name="直接箭头连接符 12">
-            <a:extLst>
-              <a:ext uri="{FF2B5EF4-FFF2-40B4-BE49-F238E27FC236}">
-                <a16:creationId xmlns:a16="http://schemas.microsoft.com/office/drawing/2014/main" id="{82E24B88-7148-4E20-9C21-489317AAF8B5}"/>
-              </a:ext>
-            </a:extLst>
-          </p:cNvPr>
+          <p:cNvPr id="13" name="直接箭头连接符 12"/>
           <p:cNvCxnSpPr/>
           <p:nvPr/>
         </p:nvCxnSpPr>
@@ -3559,13 +3113,7 @@
       </p:cxnSp>
       <p:sp>
         <p:nvSpPr>
-          <p:cNvPr id="14" name="文本框 13">
-            <a:extLst>
-              <a:ext uri="{FF2B5EF4-FFF2-40B4-BE49-F238E27FC236}">
-                <a16:creationId xmlns:a16="http://schemas.microsoft.com/office/drawing/2014/main" id="{0E4BF8EE-1CA9-485F-8DA2-5A94F0A69475}"/>
-              </a:ext>
-            </a:extLst>
-          </p:cNvPr>
+          <p:cNvPr id="14" name="文本框 13"/>
           <p:cNvSpPr txBox="1"/>
           <p:nvPr/>
         </p:nvSpPr>
@@ -3589,21 +3137,14 @@
               <a:rPr lang="zh-CN" altLang="en-US" dirty="0"/>
               <a:t>此处设置曲线</a:t>
             </a:r>
+            <a:endParaRPr lang="zh-CN" altLang="en-US" dirty="0"/>
           </a:p>
         </p:txBody>
       </p:sp>
       <p:cxnSp>
         <p:nvCxnSpPr>
-          <p:cNvPr id="16" name="直接箭头连接符 15">
-            <a:extLst>
-              <a:ext uri="{FF2B5EF4-FFF2-40B4-BE49-F238E27FC236}">
-                <a16:creationId xmlns:a16="http://schemas.microsoft.com/office/drawing/2014/main" id="{AC95ED8C-2196-48CE-838B-C49B3D59B4A4}"/>
-              </a:ext>
-            </a:extLst>
-          </p:cNvPr>
-          <p:cNvCxnSpPr>
-            <a:cxnSpLocks/>
-          </p:cNvCxnSpPr>
+          <p:cNvPr id="16" name="直接箭头连接符 15"/>
+          <p:cNvCxnSpPr/>
           <p:nvPr/>
         </p:nvCxnSpPr>
         <p:spPr>
@@ -3635,13 +3176,7 @@
       </p:cxnSp>
       <p:sp>
         <p:nvSpPr>
-          <p:cNvPr id="18" name="文本框 17">
-            <a:extLst>
-              <a:ext uri="{FF2B5EF4-FFF2-40B4-BE49-F238E27FC236}">
-                <a16:creationId xmlns:a16="http://schemas.microsoft.com/office/drawing/2014/main" id="{110FBE5A-3DC1-4F2A-9BFB-37A0A9362AE8}"/>
-              </a:ext>
-            </a:extLst>
-          </p:cNvPr>
+          <p:cNvPr id="18" name="文本框 17"/>
           <p:cNvSpPr txBox="1"/>
           <p:nvPr/>
         </p:nvSpPr>
@@ -3665,21 +3200,14 @@
               <a:rPr lang="zh-CN" altLang="en-US" dirty="0"/>
               <a:t>此处设置回中键</a:t>
             </a:r>
+            <a:endParaRPr lang="zh-CN" altLang="en-US" dirty="0"/>
           </a:p>
         </p:txBody>
       </p:sp>
       <p:cxnSp>
         <p:nvCxnSpPr>
-          <p:cNvPr id="19" name="直接箭头连接符 18">
-            <a:extLst>
-              <a:ext uri="{FF2B5EF4-FFF2-40B4-BE49-F238E27FC236}">
-                <a16:creationId xmlns:a16="http://schemas.microsoft.com/office/drawing/2014/main" id="{BECF7F68-9634-4030-B53D-78B0609DB585}"/>
-              </a:ext>
-            </a:extLst>
-          </p:cNvPr>
-          <p:cNvCxnSpPr>
-            <a:cxnSpLocks/>
-          </p:cNvCxnSpPr>
+          <p:cNvPr id="19" name="直接箭头连接符 18"/>
+          <p:cNvCxnSpPr/>
           <p:nvPr/>
         </p:nvCxnSpPr>
         <p:spPr>
@@ -3711,13 +3239,7 @@
       </p:cxnSp>
       <p:sp>
         <p:nvSpPr>
-          <p:cNvPr id="21" name="文本框 20">
-            <a:extLst>
-              <a:ext uri="{FF2B5EF4-FFF2-40B4-BE49-F238E27FC236}">
-                <a16:creationId xmlns:a16="http://schemas.microsoft.com/office/drawing/2014/main" id="{246021E9-03DE-48E7-B3B1-223F706C2F84}"/>
-              </a:ext>
-            </a:extLst>
-          </p:cNvPr>
+          <p:cNvPr id="21" name="文本框 20"/>
           <p:cNvSpPr txBox="1"/>
           <p:nvPr/>
         </p:nvSpPr>
@@ -3741,15 +3263,11 @@
               <a:rPr lang="zh-CN" altLang="en-US" dirty="0"/>
               <a:t>此处设置滤波器</a:t>
             </a:r>
+            <a:endParaRPr lang="zh-CN" altLang="en-US" dirty="0"/>
           </a:p>
         </p:txBody>
       </p:sp>
     </p:spTree>
-    <p:extLst>
-      <p:ext uri="{BB962C8B-B14F-4D97-AF65-F5344CB8AC3E}">
-        <p14:creationId xmlns:p14="http://schemas.microsoft.com/office/powerpoint/2010/main" val="1470708154"/>
-      </p:ext>
-    </p:extLst>
   </p:cSld>
   <p:clrMapOvr>
     <a:masterClrMapping/>
@@ -3776,34 +3294,22 @@
       </p:grpSpPr>
       <p:pic>
         <p:nvPicPr>
-          <p:cNvPr id="20" name="图片 19" descr="图形用户界面&#10;&#10;描述已自动生成">
-            <a:extLst>
-              <a:ext uri="{FF2B5EF4-FFF2-40B4-BE49-F238E27FC236}">
-                <a16:creationId xmlns:a16="http://schemas.microsoft.com/office/drawing/2014/main" id="{042457BF-F556-4A8E-9895-FFB7084F2AB7}"/>
-              </a:ext>
-            </a:extLst>
-          </p:cNvPr>
+          <p:cNvPr id="5" name="图片 4"/>
           <p:cNvPicPr>
             <a:picLocks noChangeAspect="1"/>
           </p:cNvPicPr>
           <p:nvPr/>
         </p:nvPicPr>
         <p:blipFill>
-          <a:blip r:embed="rId2">
-            <a:extLst>
-              <a:ext uri="{28A0092B-C50C-407E-A947-70E740481C1C}">
-                <a14:useLocalDpi xmlns:a14="http://schemas.microsoft.com/office/drawing/2010/main"/>
-              </a:ext>
-            </a:extLst>
-          </a:blip>
+          <a:blip r:embed="rId1"/>
           <a:stretch>
             <a:fillRect/>
           </a:stretch>
         </p:blipFill>
         <p:spPr>
           <a:xfrm>
-            <a:off x="3065006" y="756875"/>
-            <a:ext cx="6358160" cy="4904162"/>
+            <a:off x="3140710" y="748030"/>
+            <a:ext cx="6381750" cy="4918710"/>
           </a:xfrm>
           <a:prstGeom prst="rect">
             <a:avLst/>
@@ -3812,16 +3318,8 @@
       </p:pic>
       <p:cxnSp>
         <p:nvCxnSpPr>
-          <p:cNvPr id="7" name="直接箭头连接符 6">
-            <a:extLst>
-              <a:ext uri="{FF2B5EF4-FFF2-40B4-BE49-F238E27FC236}">
-                <a16:creationId xmlns:a16="http://schemas.microsoft.com/office/drawing/2014/main" id="{DE374EBD-2EDE-4CD8-A9F7-5A0580C7F3A5}"/>
-              </a:ext>
-            </a:extLst>
-          </p:cNvPr>
-          <p:cNvCxnSpPr>
-            <a:cxnSpLocks/>
-          </p:cNvCxnSpPr>
+          <p:cNvPr id="7" name="直接箭头连接符 6"/>
+          <p:cNvCxnSpPr/>
           <p:nvPr/>
         </p:nvCxnSpPr>
         <p:spPr>
@@ -3853,13 +3351,7 @@
       </p:cxnSp>
       <p:sp>
         <p:nvSpPr>
-          <p:cNvPr id="8" name="文本框 7">
-            <a:extLst>
-              <a:ext uri="{FF2B5EF4-FFF2-40B4-BE49-F238E27FC236}">
-                <a16:creationId xmlns:a16="http://schemas.microsoft.com/office/drawing/2014/main" id="{05B4092E-9AC4-4B45-A859-C2015363F716}"/>
-              </a:ext>
-            </a:extLst>
-          </p:cNvPr>
+          <p:cNvPr id="8" name="文本框 7"/>
           <p:cNvSpPr txBox="1"/>
           <p:nvPr/>
         </p:nvSpPr>
@@ -3914,18 +3406,13 @@
               <a:rPr lang="zh-CN" altLang="en-US" sz="1050" dirty="0"/>
               <a:t>的滤波器。</a:t>
             </a:r>
-          </a:p>
-        </p:txBody>
-      </p:sp>
-      <p:sp>
-        <p:nvSpPr>
-          <p:cNvPr id="13" name="文本框 12">
-            <a:extLst>
-              <a:ext uri="{FF2B5EF4-FFF2-40B4-BE49-F238E27FC236}">
-                <a16:creationId xmlns:a16="http://schemas.microsoft.com/office/drawing/2014/main" id="{22AED21C-4954-4349-9E51-215A075BDB76}"/>
-              </a:ext>
-            </a:extLst>
-          </p:cNvPr>
+            <a:endParaRPr lang="zh-CN" altLang="en-US" sz="1050" dirty="0"/>
+          </a:p>
+        </p:txBody>
+      </p:sp>
+      <p:sp>
+        <p:nvSpPr>
+          <p:cNvPr id="13" name="文本框 12"/>
           <p:cNvSpPr txBox="1"/>
           <p:nvPr/>
         </p:nvSpPr>
@@ -3953,21 +3440,18 @@
               </a:rPr>
               <a:t>直接控制游戏，目前不推荐开启</a:t>
             </a:r>
+            <a:endParaRPr lang="zh-CN" altLang="en-US" sz="1200" dirty="0">
+              <a:solidFill>
+                <a:schemeClr val="bg1"/>
+              </a:solidFill>
+            </a:endParaRPr>
           </a:p>
         </p:txBody>
       </p:sp>
       <p:cxnSp>
         <p:nvCxnSpPr>
-          <p:cNvPr id="14" name="直接箭头连接符 13">
-            <a:extLst>
-              <a:ext uri="{FF2B5EF4-FFF2-40B4-BE49-F238E27FC236}">
-                <a16:creationId xmlns:a16="http://schemas.microsoft.com/office/drawing/2014/main" id="{AEC35BEC-334B-4B25-86B4-6ABD484C927B}"/>
-              </a:ext>
-            </a:extLst>
-          </p:cNvPr>
-          <p:cNvCxnSpPr>
-            <a:cxnSpLocks/>
-          </p:cNvCxnSpPr>
+          <p:cNvPr id="14" name="直接箭头连接符 13"/>
+          <p:cNvCxnSpPr/>
           <p:nvPr/>
         </p:nvCxnSpPr>
         <p:spPr>
@@ -3999,13 +3483,7 @@
       </p:cxnSp>
       <p:sp>
         <p:nvSpPr>
-          <p:cNvPr id="16" name="文本框 15">
-            <a:extLst>
-              <a:ext uri="{FF2B5EF4-FFF2-40B4-BE49-F238E27FC236}">
-                <a16:creationId xmlns:a16="http://schemas.microsoft.com/office/drawing/2014/main" id="{418A1290-3734-4162-8653-905AF9DEF7EA}"/>
-              </a:ext>
-            </a:extLst>
-          </p:cNvPr>
+          <p:cNvPr id="16" name="文本框 15"/>
           <p:cNvSpPr txBox="1"/>
           <p:nvPr/>
         </p:nvSpPr>
@@ -4045,21 +3523,14 @@
               <a:rPr lang="zh-CN" altLang="en-US" sz="1050" dirty="0"/>
               <a:t>地址以及端口。</a:t>
             </a:r>
+            <a:endParaRPr lang="zh-CN" altLang="en-US" sz="1050" dirty="0"/>
           </a:p>
         </p:txBody>
       </p:sp>
       <p:cxnSp>
         <p:nvCxnSpPr>
-          <p:cNvPr id="17" name="直接箭头连接符 16">
-            <a:extLst>
-              <a:ext uri="{FF2B5EF4-FFF2-40B4-BE49-F238E27FC236}">
-                <a16:creationId xmlns:a16="http://schemas.microsoft.com/office/drawing/2014/main" id="{E929065E-ED41-41FC-8FD8-C7CBA341A4B4}"/>
-              </a:ext>
-            </a:extLst>
-          </p:cNvPr>
-          <p:cNvCxnSpPr>
-            <a:cxnSpLocks/>
-          </p:cNvCxnSpPr>
+          <p:cNvPr id="17" name="直接箭头连接符 16"/>
+          <p:cNvCxnSpPr/>
           <p:nvPr/>
         </p:nvCxnSpPr>
         <p:spPr>
@@ -4091,20 +3562,14 @@
       </p:cxnSp>
       <p:sp>
         <p:nvSpPr>
-          <p:cNvPr id="18" name="文本框 17">
-            <a:extLst>
-              <a:ext uri="{FF2B5EF4-FFF2-40B4-BE49-F238E27FC236}">
-                <a16:creationId xmlns:a16="http://schemas.microsoft.com/office/drawing/2014/main" id="{611E1312-D36D-48EE-B205-02A29176368B}"/>
-              </a:ext>
-            </a:extLst>
-          </p:cNvPr>
+          <p:cNvPr id="18" name="文本框 17"/>
           <p:cNvSpPr txBox="1"/>
           <p:nvPr/>
         </p:nvSpPr>
         <p:spPr>
           <a:xfrm>
             <a:off x="210938" y="2502191"/>
-            <a:ext cx="1983901" cy="738664"/>
+            <a:ext cx="1983901" cy="737235"/>
           </a:xfrm>
           <a:prstGeom prst="rect">
             <a:avLst/>
@@ -4127,7 +3592,7 @@
             </a:r>
             <a:r>
               <a:rPr lang="zh-CN" altLang="en-US" sz="1050" dirty="0"/>
-              <a:t>富裕可以适度开小到</a:t>
+              <a:t>富裕可以适度开小，最小为</a:t>
             </a:r>
             <a:r>
               <a:rPr lang="en-US" altLang="zh-CN" sz="1050" dirty="0"/>
@@ -4137,20 +3602,14 @@
               <a:rPr lang="zh-CN" altLang="en-US" sz="1050" dirty="0"/>
               <a:t>，反之如果占用过大可以适度增加。对精度有一定影响。</a:t>
             </a:r>
+            <a:endParaRPr lang="zh-CN" altLang="en-US" sz="1050" dirty="0"/>
           </a:p>
         </p:txBody>
       </p:sp>
       <p:cxnSp>
         <p:nvCxnSpPr>
-          <p:cNvPr id="24" name="直接箭头连接符 23">
-            <a:extLst>
-              <a:ext uri="{FF2B5EF4-FFF2-40B4-BE49-F238E27FC236}">
-                <a16:creationId xmlns:a16="http://schemas.microsoft.com/office/drawing/2014/main" id="{4D8D1C25-7AF0-4A9E-AC91-FAE94644B064}"/>
-              </a:ext>
-            </a:extLst>
-          </p:cNvPr>
+          <p:cNvPr id="24" name="直接箭头连接符 23"/>
           <p:cNvCxnSpPr>
-            <a:cxnSpLocks/>
             <a:endCxn id="25" idx="3"/>
           </p:cNvCxnSpPr>
           <p:nvPr/>
@@ -4184,13 +3643,7 @@
       </p:cxnSp>
       <p:sp>
         <p:nvSpPr>
-          <p:cNvPr id="25" name="文本框 24">
-            <a:extLst>
-              <a:ext uri="{FF2B5EF4-FFF2-40B4-BE49-F238E27FC236}">
-                <a16:creationId xmlns:a16="http://schemas.microsoft.com/office/drawing/2014/main" id="{FB985E39-DC38-41A3-AB76-0481EFFB5B23}"/>
-              </a:ext>
-            </a:extLst>
-          </p:cNvPr>
+          <p:cNvPr id="25" name="文本框 24"/>
           <p:cNvSpPr txBox="1"/>
           <p:nvPr/>
         </p:nvSpPr>
@@ -4226,28 +3679,22 @@
               <a:rPr lang="zh-CN" altLang="en-US" sz="1050" dirty="0"/>
               <a:t>模式有效，两个模型对光照摄像头适应不同。请酌情调整。</a:t>
             </a:r>
+            <a:endParaRPr lang="zh-CN" altLang="en-US" sz="1050" dirty="0"/>
           </a:p>
         </p:txBody>
       </p:sp>
       <p:cxnSp>
         <p:nvCxnSpPr>
-          <p:cNvPr id="28" name="直接箭头连接符 27">
-            <a:extLst>
-              <a:ext uri="{FF2B5EF4-FFF2-40B4-BE49-F238E27FC236}">
-                <a16:creationId xmlns:a16="http://schemas.microsoft.com/office/drawing/2014/main" id="{D005D0F0-1EA8-4E02-8D70-A5FECA11AAAD}"/>
-              </a:ext>
-            </a:extLst>
-          </p:cNvPr>
+          <p:cNvPr id="28" name="直接箭头连接符 27"/>
           <p:cNvCxnSpPr>
-            <a:cxnSpLocks/>
             <a:endCxn id="31" idx="3"/>
           </p:cNvCxnSpPr>
           <p:nvPr/>
         </p:nvCxnSpPr>
         <p:spPr>
           <a:xfrm flipH="1">
-            <a:off x="2234738" y="3895781"/>
-            <a:ext cx="1070722" cy="613648"/>
+            <a:off x="2234565" y="3997325"/>
+            <a:ext cx="1155065" cy="511810"/>
           </a:xfrm>
           <a:prstGeom prst="straightConnector1">
             <a:avLst/>
@@ -4273,20 +3720,14 @@
       </p:cxnSp>
       <p:sp>
         <p:nvSpPr>
-          <p:cNvPr id="31" name="文本框 30">
-            <a:extLst>
-              <a:ext uri="{FF2B5EF4-FFF2-40B4-BE49-F238E27FC236}">
-                <a16:creationId xmlns:a16="http://schemas.microsoft.com/office/drawing/2014/main" id="{87D8691C-3E48-4A0A-A593-B3348550584A}"/>
-              </a:ext>
-            </a:extLst>
-          </p:cNvPr>
+          <p:cNvPr id="31" name="文本框 30"/>
           <p:cNvSpPr txBox="1"/>
           <p:nvPr/>
         </p:nvSpPr>
         <p:spPr>
           <a:xfrm>
             <a:off x="250837" y="4220888"/>
-            <a:ext cx="1983901" cy="577081"/>
+            <a:ext cx="1983901" cy="575945"/>
           </a:xfrm>
           <a:prstGeom prst="rect">
             <a:avLst/>
@@ -4313,27 +3754,34 @@
             </a:r>
             <a:r>
               <a:rPr lang="zh-CN" altLang="en-US" sz="1050" dirty="0"/>
-              <a:t>方法的修正，如果屏幕上的细坐标轴和粗坐标轴有明显俯仰误差在这里修正。</a:t>
-            </a:r>
-          </a:p>
-        </p:txBody>
-      </p:sp>
-      <p:sp>
-        <p:nvSpPr>
-          <p:cNvPr id="33" name="文本框 32">
-            <a:extLst>
-              <a:ext uri="{FF2B5EF4-FFF2-40B4-BE49-F238E27FC236}">
-                <a16:creationId xmlns:a16="http://schemas.microsoft.com/office/drawing/2014/main" id="{AFE835A3-E08B-4797-90EC-7576599B17B8}"/>
-              </a:ext>
-            </a:extLst>
-          </p:cNvPr>
+              <a:t>方法的修正，需要调节至左右拉</a:t>
+            </a:r>
+            <a:r>
+              <a:rPr lang="en-US" altLang="zh-CN" sz="1050" dirty="0"/>
+              <a:t>FSA/PnP</a:t>
+            </a:r>
+            <a:r>
+              <a:rPr lang="zh-CN" altLang="zh-CN" sz="1050" dirty="0"/>
+              <a:t>时，上下基本不动</a:t>
+            </a:r>
+            <a:r>
+              <a:rPr lang="zh-CN" altLang="en-US" sz="1050" dirty="0"/>
+              <a:t>。</a:t>
+            </a:r>
+            <a:endParaRPr lang="zh-CN" altLang="en-US" sz="1050" dirty="0"/>
+          </a:p>
+        </p:txBody>
+      </p:sp>
+      <p:sp>
+        <p:nvSpPr>
+          <p:cNvPr id="33" name="文本框 32"/>
           <p:cNvSpPr txBox="1"/>
           <p:nvPr/>
         </p:nvSpPr>
         <p:spPr>
           <a:xfrm>
             <a:off x="355081" y="5128262"/>
-            <a:ext cx="2413754" cy="577081"/>
+            <a:ext cx="2413754" cy="737235"/>
           </a:xfrm>
           <a:prstGeom prst="rect">
             <a:avLst/>
@@ -4352,24 +3800,40 @@
             </a:r>
             <a:r>
               <a:rPr lang="zh-CN" altLang="en-US" sz="1050" dirty="0"/>
-              <a:t>方法使用的模型。坐标速度快精确度低，右边精度高速度慢。推荐使用第二档即可。</a:t>
-            </a:r>
-            <a:endParaRPr lang="en-US" altLang="zh-CN" sz="1050" dirty="0"/>
+              <a:t>方法使用的模型。坐标速度快精确度低，右边精度高速度慢。</a:t>
+            </a:r>
+            <a:r>
+              <a:rPr lang="zh-CN" sz="1050" dirty="0"/>
+              <a:t>狗斗推荐左边档，</a:t>
+            </a:r>
+            <a:r>
+              <a:rPr lang="en-US" altLang="zh-CN" sz="1050" dirty="0"/>
+              <a:t>BVR/</a:t>
+            </a:r>
+            <a:r>
+              <a:rPr lang="zh-CN" altLang="en-US" sz="1050" dirty="0"/>
+              <a:t>操作仪表</a:t>
+            </a:r>
+            <a:r>
+              <a:rPr lang="en-US" altLang="en-US" sz="1050" dirty="0"/>
+              <a:t>/</a:t>
+            </a:r>
+            <a:r>
+              <a:rPr lang="zh-CN" altLang="en-US" sz="1050" dirty="0"/>
+              <a:t>冷启动</a:t>
+            </a:r>
+            <a:r>
+              <a:rPr lang="zh-CN" altLang="en-US" sz="1050" dirty="0"/>
+              <a:t>推荐右边。</a:t>
+            </a:r>
+            <a:endParaRPr lang="zh-CN" altLang="en-US" sz="1050" dirty="0"/>
           </a:p>
         </p:txBody>
       </p:sp>
       <p:cxnSp>
         <p:nvCxnSpPr>
-          <p:cNvPr id="34" name="直接箭头连接符 33">
-            <a:extLst>
-              <a:ext uri="{FF2B5EF4-FFF2-40B4-BE49-F238E27FC236}">
-                <a16:creationId xmlns:a16="http://schemas.microsoft.com/office/drawing/2014/main" id="{3C6BE13E-94FB-42AC-9141-769AD2640842}"/>
-              </a:ext>
-            </a:extLst>
-          </p:cNvPr>
-          <p:cNvCxnSpPr>
-            <a:cxnSpLocks/>
-          </p:cNvCxnSpPr>
+          <p:cNvPr id="34" name="直接箭头连接符 33"/>
+          <p:cNvCxnSpPr/>
           <p:nvPr/>
         </p:nvCxnSpPr>
         <p:spPr>
@@ -4401,13 +3865,7 @@
       </p:cxnSp>
       <p:sp>
         <p:nvSpPr>
-          <p:cNvPr id="35" name="文本框 34">
-            <a:extLst>
-              <a:ext uri="{FF2B5EF4-FFF2-40B4-BE49-F238E27FC236}">
-                <a16:creationId xmlns:a16="http://schemas.microsoft.com/office/drawing/2014/main" id="{50230425-0C7C-46B3-B035-1CCBFF38DF83}"/>
-              </a:ext>
-            </a:extLst>
-          </p:cNvPr>
+          <p:cNvPr id="35" name="文本框 34"/>
           <p:cNvSpPr txBox="1"/>
           <p:nvPr/>
         </p:nvSpPr>
@@ -4437,15 +3895,8 @@
       </p:sp>
       <p:cxnSp>
         <p:nvCxnSpPr>
-          <p:cNvPr id="36" name="直接箭头连接符 35">
-            <a:extLst>
-              <a:ext uri="{FF2B5EF4-FFF2-40B4-BE49-F238E27FC236}">
-                <a16:creationId xmlns:a16="http://schemas.microsoft.com/office/drawing/2014/main" id="{754E1D81-116D-488B-BBE3-E7A5998ACAE5}"/>
-              </a:ext>
-            </a:extLst>
-          </p:cNvPr>
+          <p:cNvPr id="36" name="直接箭头连接符 35"/>
           <p:cNvCxnSpPr>
-            <a:cxnSpLocks/>
             <a:endCxn id="35" idx="1"/>
           </p:cNvCxnSpPr>
           <p:nvPr/>
@@ -4479,16 +3930,8 @@
       </p:cxnSp>
       <p:cxnSp>
         <p:nvCxnSpPr>
-          <p:cNvPr id="38" name="直接箭头连接符 37">
-            <a:extLst>
-              <a:ext uri="{FF2B5EF4-FFF2-40B4-BE49-F238E27FC236}">
-                <a16:creationId xmlns:a16="http://schemas.microsoft.com/office/drawing/2014/main" id="{3A427032-0136-4882-9310-FFE511951344}"/>
-              </a:ext>
-            </a:extLst>
-          </p:cNvPr>
-          <p:cNvCxnSpPr>
-            <a:cxnSpLocks/>
-          </p:cNvCxnSpPr>
+          <p:cNvPr id="38" name="直接箭头连接符 37"/>
+          <p:cNvCxnSpPr/>
           <p:nvPr/>
         </p:nvCxnSpPr>
         <p:spPr>
@@ -4520,13 +3963,7 @@
       </p:cxnSp>
       <p:sp>
         <p:nvSpPr>
-          <p:cNvPr id="40" name="文本框 39">
-            <a:extLst>
-              <a:ext uri="{FF2B5EF4-FFF2-40B4-BE49-F238E27FC236}">
-                <a16:creationId xmlns:a16="http://schemas.microsoft.com/office/drawing/2014/main" id="{4FE3BB8A-1CE0-4E0A-B970-43B167D780C4}"/>
-              </a:ext>
-            </a:extLst>
-          </p:cNvPr>
+          <p:cNvPr id="40" name="文本框 39"/>
           <p:cNvSpPr txBox="1"/>
           <p:nvPr/>
         </p:nvSpPr>
@@ -4562,12 +3999,69 @@
           </a:p>
         </p:txBody>
       </p:sp>
+      <p:cxnSp>
+        <p:nvCxnSpPr>
+          <p:cNvPr id="2" name="直接箭头连接符 1"/>
+          <p:cNvCxnSpPr/>
+          <p:nvPr/>
+        </p:nvCxnSpPr>
+        <p:spPr>
+          <a:xfrm>
+            <a:off x="8933551" y="4736205"/>
+            <a:ext cx="956097" cy="246757"/>
+          </a:xfrm>
+          <a:prstGeom prst="straightConnector1">
+            <a:avLst/>
+          </a:prstGeom>
+          <a:ln>
+            <a:tailEnd type="triangle"/>
+          </a:ln>
+        </p:spPr>
+        <p:style>
+          <a:lnRef idx="3">
+            <a:schemeClr val="accent4"/>
+          </a:lnRef>
+          <a:fillRef idx="0">
+            <a:schemeClr val="accent4"/>
+          </a:fillRef>
+          <a:effectRef idx="2">
+            <a:schemeClr val="accent4"/>
+          </a:effectRef>
+          <a:fontRef idx="minor">
+            <a:schemeClr val="tx1"/>
+          </a:fontRef>
+        </p:style>
+      </p:cxnSp>
+      <p:sp>
+        <p:nvSpPr>
+          <p:cNvPr id="3" name="文本框 2"/>
+          <p:cNvSpPr txBox="1"/>
+          <p:nvPr/>
+        </p:nvSpPr>
+        <p:spPr>
+          <a:xfrm>
+            <a:off x="9965848" y="4822753"/>
+            <a:ext cx="2413754" cy="252730"/>
+          </a:xfrm>
+          <a:prstGeom prst="rect">
+            <a:avLst/>
+          </a:prstGeom>
+          <a:noFill/>
+        </p:spPr>
+        <p:txBody>
+          <a:bodyPr wrap="square" rtlCol="0">
+            <a:spAutoFit/>
+          </a:bodyPr>
+          <a:p>
+            <a:r>
+              <a:rPr lang="zh-CN" altLang="en-US" sz="1050" dirty="0"/>
+              <a:t>绑定暂停键，用于暂停头瞄功能。</a:t>
+            </a:r>
+            <a:endParaRPr lang="zh-CN" altLang="en-US" sz="1050" dirty="0"/>
+          </a:p>
+        </p:txBody>
+      </p:sp>
     </p:spTree>
-    <p:extLst>
-      <p:ext uri="{BB962C8B-B14F-4D97-AF65-F5344CB8AC3E}">
-        <p14:creationId xmlns:p14="http://schemas.microsoft.com/office/powerpoint/2010/main" val="285168479"/>
-      </p:ext>
-    </p:extLst>
   </p:cSld>
   <p:clrMapOvr>
     <a:masterClrMapping/>
@@ -4594,26 +4088,14 @@
       </p:grpSpPr>
       <p:pic>
         <p:nvPicPr>
-          <p:cNvPr id="5" name="图片 4" descr="图形用户界面, 文本, 应用程序, 电子邮件&#10;&#10;描述已自动生成">
-            <a:extLst>
-              <a:ext uri="{FF2B5EF4-FFF2-40B4-BE49-F238E27FC236}">
-                <a16:creationId xmlns:a16="http://schemas.microsoft.com/office/drawing/2014/main" id="{CC4A9BB1-AE03-4139-820D-F023EA0C2FA1}"/>
-              </a:ext>
-            </a:extLst>
-          </p:cNvPr>
+          <p:cNvPr id="5" name="图片 4" descr="图形用户界面, 文本, 应用程序, 电子邮件&#10;&#10;描述已自动生成"/>
           <p:cNvPicPr>
             <a:picLocks noChangeAspect="1"/>
           </p:cNvPicPr>
           <p:nvPr/>
         </p:nvPicPr>
         <p:blipFill>
-          <a:blip r:embed="rId2">
-            <a:extLst>
-              <a:ext uri="{28A0092B-C50C-407E-A947-70E740481C1C}">
-                <a14:useLocalDpi xmlns:a14="http://schemas.microsoft.com/office/drawing/2010/main"/>
-              </a:ext>
-            </a:extLst>
-          </a:blip>
+          <a:blip r:embed="rId1"/>
           <a:stretch>
             <a:fillRect/>
           </a:stretch>
@@ -4630,16 +4112,8 @@
       </p:pic>
       <p:cxnSp>
         <p:nvCxnSpPr>
-          <p:cNvPr id="6" name="直接箭头连接符 5">
-            <a:extLst>
-              <a:ext uri="{FF2B5EF4-FFF2-40B4-BE49-F238E27FC236}">
-                <a16:creationId xmlns:a16="http://schemas.microsoft.com/office/drawing/2014/main" id="{73D8AA78-9225-4B56-A758-1FBE0F401485}"/>
-              </a:ext>
-            </a:extLst>
-          </p:cNvPr>
-          <p:cNvCxnSpPr>
-            <a:cxnSpLocks/>
-          </p:cNvCxnSpPr>
+          <p:cNvPr id="6" name="直接箭头连接符 5"/>
+          <p:cNvCxnSpPr/>
           <p:nvPr/>
         </p:nvCxnSpPr>
         <p:spPr>
@@ -4671,13 +4145,7 @@
       </p:cxnSp>
       <p:sp>
         <p:nvSpPr>
-          <p:cNvPr id="7" name="文本框 6">
-            <a:extLst>
-              <a:ext uri="{FF2B5EF4-FFF2-40B4-BE49-F238E27FC236}">
-                <a16:creationId xmlns:a16="http://schemas.microsoft.com/office/drawing/2014/main" id="{755E5170-794F-47FC-8154-714F2201C744}"/>
-              </a:ext>
-            </a:extLst>
-          </p:cNvPr>
+          <p:cNvPr id="7" name="文本框 6"/>
           <p:cNvSpPr txBox="1"/>
           <p:nvPr/>
         </p:nvSpPr>
@@ -4701,21 +4169,14 @@
               <a:rPr lang="zh-CN" altLang="en-US" dirty="0"/>
               <a:t>角度滤波，越大相应越慢越稳定。越小相应越快越容易抖动</a:t>
             </a:r>
+            <a:endParaRPr lang="zh-CN" altLang="en-US" dirty="0"/>
           </a:p>
         </p:txBody>
       </p:sp>
       <p:cxnSp>
         <p:nvCxnSpPr>
-          <p:cNvPr id="9" name="直接箭头连接符 8">
-            <a:extLst>
-              <a:ext uri="{FF2B5EF4-FFF2-40B4-BE49-F238E27FC236}">
-                <a16:creationId xmlns:a16="http://schemas.microsoft.com/office/drawing/2014/main" id="{C109FED3-B22B-4E99-9F81-21D8DEE98B34}"/>
-              </a:ext>
-            </a:extLst>
-          </p:cNvPr>
-          <p:cNvCxnSpPr>
-            <a:cxnSpLocks/>
-          </p:cNvCxnSpPr>
+          <p:cNvPr id="9" name="直接箭头连接符 8"/>
+          <p:cNvCxnSpPr/>
           <p:nvPr/>
         </p:nvCxnSpPr>
         <p:spPr>
@@ -4747,13 +4208,7 @@
       </p:cxnSp>
       <p:sp>
         <p:nvSpPr>
-          <p:cNvPr id="12" name="文本框 11">
-            <a:extLst>
-              <a:ext uri="{FF2B5EF4-FFF2-40B4-BE49-F238E27FC236}">
-                <a16:creationId xmlns:a16="http://schemas.microsoft.com/office/drawing/2014/main" id="{2BACF469-7501-4712-B748-1E19B8ACA36C}"/>
-              </a:ext>
-            </a:extLst>
-          </p:cNvPr>
+          <p:cNvPr id="12" name="文本框 11"/>
           <p:cNvSpPr txBox="1"/>
           <p:nvPr/>
         </p:nvSpPr>
@@ -4777,15 +4232,11 @@
               <a:rPr lang="zh-CN" altLang="en-US" dirty="0"/>
               <a:t>位置滤波</a:t>
             </a:r>
+            <a:endParaRPr lang="zh-CN" altLang="en-US" dirty="0"/>
           </a:p>
         </p:txBody>
       </p:sp>
     </p:spTree>
-    <p:extLst>
-      <p:ext uri="{BB962C8B-B14F-4D97-AF65-F5344CB8AC3E}">
-        <p14:creationId xmlns:p14="http://schemas.microsoft.com/office/powerpoint/2010/main" val="922046746"/>
-      </p:ext>
-    </p:extLst>
   </p:cSld>
   <p:clrMapOvr>
     <a:masterClrMapping/>
@@ -4812,26 +4263,14 @@
       </p:grpSpPr>
       <p:pic>
         <p:nvPicPr>
-          <p:cNvPr id="5" name="图片 4" descr="图形用户界面, 文本, 应用程序, 电子邮件&#10;&#10;描述已自动生成">
-            <a:extLst>
-              <a:ext uri="{FF2B5EF4-FFF2-40B4-BE49-F238E27FC236}">
-                <a16:creationId xmlns:a16="http://schemas.microsoft.com/office/drawing/2014/main" id="{CC4A9BB1-AE03-4139-820D-F023EA0C2FA1}"/>
-              </a:ext>
-            </a:extLst>
-          </p:cNvPr>
+          <p:cNvPr id="5" name="图片 4" descr="图形用户界面, 文本, 应用程序, 电子邮件&#10;&#10;描述已自动生成"/>
           <p:cNvPicPr>
             <a:picLocks noChangeAspect="1"/>
           </p:cNvPicPr>
           <p:nvPr/>
         </p:nvPicPr>
         <p:blipFill>
-          <a:blip r:embed="rId2">
-            <a:extLst>
-              <a:ext uri="{28A0092B-C50C-407E-A947-70E740481C1C}">
-                <a14:useLocalDpi xmlns:a14="http://schemas.microsoft.com/office/drawing/2010/main"/>
-              </a:ext>
-            </a:extLst>
-          </a:blip>
+          <a:blip r:embed="rId1"/>
           <a:stretch>
             <a:fillRect/>
           </a:stretch>
@@ -4848,16 +4287,8 @@
       </p:pic>
       <p:cxnSp>
         <p:nvCxnSpPr>
-          <p:cNvPr id="6" name="直接箭头连接符 5">
-            <a:extLst>
-              <a:ext uri="{FF2B5EF4-FFF2-40B4-BE49-F238E27FC236}">
-                <a16:creationId xmlns:a16="http://schemas.microsoft.com/office/drawing/2014/main" id="{73D8AA78-9225-4B56-A758-1FBE0F401485}"/>
-              </a:ext>
-            </a:extLst>
-          </p:cNvPr>
-          <p:cNvCxnSpPr>
-            <a:cxnSpLocks/>
-          </p:cNvCxnSpPr>
+          <p:cNvPr id="6" name="直接箭头连接符 5"/>
+          <p:cNvCxnSpPr/>
           <p:nvPr/>
         </p:nvCxnSpPr>
         <p:spPr>
@@ -4889,13 +4320,7 @@
       </p:cxnSp>
       <p:sp>
         <p:nvSpPr>
-          <p:cNvPr id="7" name="文本框 6">
-            <a:extLst>
-              <a:ext uri="{FF2B5EF4-FFF2-40B4-BE49-F238E27FC236}">
-                <a16:creationId xmlns:a16="http://schemas.microsoft.com/office/drawing/2014/main" id="{755E5170-794F-47FC-8154-714F2201C744}"/>
-              </a:ext>
-            </a:extLst>
-          </p:cNvPr>
+          <p:cNvPr id="7" name="文本框 6"/>
           <p:cNvSpPr txBox="1"/>
           <p:nvPr/>
         </p:nvSpPr>
@@ -4919,21 +4344,14 @@
               <a:rPr lang="zh-CN" altLang="en-US" dirty="0"/>
               <a:t>角度滤波，越大相应越慢越稳定。越小相应越快越容易抖动</a:t>
             </a:r>
+            <a:endParaRPr lang="zh-CN" altLang="en-US" dirty="0"/>
           </a:p>
         </p:txBody>
       </p:sp>
       <p:cxnSp>
         <p:nvCxnSpPr>
-          <p:cNvPr id="9" name="直接箭头连接符 8">
-            <a:extLst>
-              <a:ext uri="{FF2B5EF4-FFF2-40B4-BE49-F238E27FC236}">
-                <a16:creationId xmlns:a16="http://schemas.microsoft.com/office/drawing/2014/main" id="{C109FED3-B22B-4E99-9F81-21D8DEE98B34}"/>
-              </a:ext>
-            </a:extLst>
-          </p:cNvPr>
-          <p:cNvCxnSpPr>
-            <a:cxnSpLocks/>
-          </p:cNvCxnSpPr>
+          <p:cNvPr id="9" name="直接箭头连接符 8"/>
+          <p:cNvCxnSpPr/>
           <p:nvPr/>
         </p:nvCxnSpPr>
         <p:spPr>
@@ -4965,13 +4383,7 @@
       </p:cxnSp>
       <p:sp>
         <p:nvSpPr>
-          <p:cNvPr id="12" name="文本框 11">
-            <a:extLst>
-              <a:ext uri="{FF2B5EF4-FFF2-40B4-BE49-F238E27FC236}">
-                <a16:creationId xmlns:a16="http://schemas.microsoft.com/office/drawing/2014/main" id="{2BACF469-7501-4712-B748-1E19B8ACA36C}"/>
-              </a:ext>
-            </a:extLst>
-          </p:cNvPr>
+          <p:cNvPr id="12" name="文本框 11"/>
           <p:cNvSpPr txBox="1"/>
           <p:nvPr/>
         </p:nvSpPr>
@@ -4995,15 +4407,11 @@
               <a:rPr lang="zh-CN" altLang="en-US" dirty="0"/>
               <a:t>位置滤波</a:t>
             </a:r>
+            <a:endParaRPr lang="zh-CN" altLang="en-US" dirty="0"/>
           </a:p>
         </p:txBody>
       </p:sp>
     </p:spTree>
-    <p:extLst>
-      <p:ext uri="{BB962C8B-B14F-4D97-AF65-F5344CB8AC3E}">
-        <p14:creationId xmlns:p14="http://schemas.microsoft.com/office/powerpoint/2010/main" val="2932125545"/>
-      </p:ext>
-    </p:extLst>
   </p:cSld>
   <p:clrMapOvr>
     <a:masterClrMapping/>
@@ -5054,7 +4462,7 @@
     </a:clrScheme>
     <a:fontScheme name="Office">
       <a:majorFont>
-        <a:latin typeface="等线 Light" panose="020F0302020204030204"/>
+        <a:latin typeface="等线 Light"/>
         <a:ea typeface=""/>
         <a:cs typeface=""/>
         <a:font script="Jpan" typeface="游ゴシック Light"/>
@@ -5087,26 +4495,9 @@
         <a:font script="Viet" typeface="Times New Roman"/>
         <a:font script="Uigh" typeface="Microsoft Uighur"/>
         <a:font script="Geor" typeface="Sylfaen"/>
-        <a:font script="Armn" typeface="Arial"/>
-        <a:font script="Bugi" typeface="Leelawadee UI"/>
-        <a:font script="Bopo" typeface="Microsoft JhengHei"/>
-        <a:font script="Java" typeface="Javanese Text"/>
-        <a:font script="Lisu" typeface="Segoe UI"/>
-        <a:font script="Mymr" typeface="Myanmar Text"/>
-        <a:font script="Nkoo" typeface="Ebrima"/>
-        <a:font script="Olck" typeface="Nirmala UI"/>
-        <a:font script="Osma" typeface="Ebrima"/>
-        <a:font script="Phag" typeface="Phagspa"/>
-        <a:font script="Syrn" typeface="Estrangelo Edessa"/>
-        <a:font script="Syrj" typeface="Estrangelo Edessa"/>
-        <a:font script="Syre" typeface="Estrangelo Edessa"/>
-        <a:font script="Sora" typeface="Nirmala UI"/>
-        <a:font script="Tale" typeface="Microsoft Tai Le"/>
-        <a:font script="Talu" typeface="Microsoft New Tai Lue"/>
-        <a:font script="Tfng" typeface="Ebrima"/>
       </a:majorFont>
       <a:minorFont>
-        <a:latin typeface="等线" panose="020F0502020204030204"/>
+        <a:latin typeface="等线"/>
         <a:ea typeface=""/>
         <a:cs typeface=""/>
         <a:font script="Jpan" typeface="游ゴシック"/>
@@ -5139,23 +4530,6 @@
         <a:font script="Viet" typeface="Arial"/>
         <a:font script="Uigh" typeface="Microsoft Uighur"/>
         <a:font script="Geor" typeface="Sylfaen"/>
-        <a:font script="Armn" typeface="Arial"/>
-        <a:font script="Bugi" typeface="Leelawadee UI"/>
-        <a:font script="Bopo" typeface="Microsoft JhengHei"/>
-        <a:font script="Java" typeface="Javanese Text"/>
-        <a:font script="Lisu" typeface="Segoe UI"/>
-        <a:font script="Mymr" typeface="Myanmar Text"/>
-        <a:font script="Nkoo" typeface="Ebrima"/>
-        <a:font script="Olck" typeface="Nirmala UI"/>
-        <a:font script="Osma" typeface="Ebrima"/>
-        <a:font script="Phag" typeface="Phagspa"/>
-        <a:font script="Syrn" typeface="Estrangelo Edessa"/>
-        <a:font script="Syrj" typeface="Estrangelo Edessa"/>
-        <a:font script="Syre" typeface="Estrangelo Edessa"/>
-        <a:font script="Sora" typeface="Nirmala UI"/>
-        <a:font script="Tale" typeface="Microsoft Tai Le"/>
-        <a:font script="Talu" typeface="Microsoft New Tai Lue"/>
-        <a:font script="Tfng" typeface="Ebrima"/>
       </a:minorFont>
     </a:fontScheme>
     <a:fmtScheme name="Office">
@@ -5296,8 +4670,6 @@
       </a:bgFillStyleLst>
     </a:fmtScheme>
   </a:themeElements>
-  <a:objectDefaults/>
-  <a:extraClrSchemeLst/>
   <a:extLst>
     <a:ext uri="{05A4C25C-085E-4340-85A3-A5531E510DB2}">
       <thm15:themeFamily xmlns:thm15="http://schemas.microsoft.com/office/thememl/2012/main" name="Office Theme" id="{62F939B6-93AF-4DB8-9C6B-D6C7DFDC589F}" vid="{4A3C46E8-61CC-4603-A589-7422A47A8E4A}"/>

--- a/docs/slide.pptx
+++ b/docs/slide.pptx
@@ -3294,7 +3294,7 @@
       </p:grpSpPr>
       <p:pic>
         <p:nvPicPr>
-          <p:cNvPr id="5" name="图片 4"/>
+          <p:cNvPr id="4" name="图片 3"/>
           <p:cNvPicPr>
             <a:picLocks noChangeAspect="1"/>
           </p:cNvPicPr>
@@ -3308,8 +3308,8 @@
         </p:blipFill>
         <p:spPr>
           <a:xfrm>
-            <a:off x="3140710" y="748030"/>
-            <a:ext cx="6381750" cy="4918710"/>
+            <a:off x="3265170" y="1019810"/>
+            <a:ext cx="5858510" cy="4515485"/>
           </a:xfrm>
           <a:prstGeom prst="rect">
             <a:avLst/>
@@ -3871,7 +3871,7 @@
         </p:nvSpPr>
         <p:spPr>
           <a:xfrm>
-            <a:off x="9614400" y="1359938"/>
+            <a:off x="6950575" y="293138"/>
             <a:ext cx="2413754" cy="415498"/>
           </a:xfrm>
           <a:prstGeom prst="rect">
@@ -3896,15 +3896,13 @@
       <p:cxnSp>
         <p:nvCxnSpPr>
           <p:cNvPr id="36" name="直接箭头连接符 35"/>
-          <p:cNvCxnSpPr>
-            <a:endCxn id="35" idx="1"/>
-          </p:cNvCxnSpPr>
+          <p:cNvCxnSpPr/>
           <p:nvPr/>
         </p:nvCxnSpPr>
         <p:spPr>
           <a:xfrm flipV="1">
-            <a:off x="8398760" y="1567687"/>
-            <a:ext cx="1215640" cy="711266"/>
+            <a:off x="7080250" y="741045"/>
+            <a:ext cx="229235" cy="1161415"/>
           </a:xfrm>
           <a:prstGeom prst="straightConnector1">
             <a:avLst/>
@@ -4058,6 +4056,130 @@
               <a:t>绑定暂停键，用于暂停头瞄功能。</a:t>
             </a:r>
             <a:endParaRPr lang="zh-CN" altLang="en-US" sz="1050" dirty="0"/>
+          </a:p>
+        </p:txBody>
+      </p:sp>
+      <p:cxnSp>
+        <p:nvCxnSpPr>
+          <p:cNvPr id="6" name="直接箭头连接符 5"/>
+          <p:cNvCxnSpPr/>
+          <p:nvPr/>
+        </p:nvCxnSpPr>
+        <p:spPr>
+          <a:xfrm flipV="1">
+            <a:off x="8643620" y="1380490"/>
+            <a:ext cx="1510030" cy="641350"/>
+          </a:xfrm>
+          <a:prstGeom prst="straightConnector1">
+            <a:avLst/>
+          </a:prstGeom>
+          <a:ln>
+            <a:tailEnd type="triangle"/>
+          </a:ln>
+        </p:spPr>
+        <p:style>
+          <a:lnRef idx="3">
+            <a:schemeClr val="accent4"/>
+          </a:lnRef>
+          <a:fillRef idx="0">
+            <a:schemeClr val="accent4"/>
+          </a:fillRef>
+          <a:effectRef idx="2">
+            <a:schemeClr val="accent4"/>
+          </a:effectRef>
+          <a:fontRef idx="minor">
+            <a:schemeClr val="tx1"/>
+          </a:fontRef>
+        </p:style>
+      </p:cxnSp>
+      <p:sp>
+        <p:nvSpPr>
+          <p:cNvPr id="9" name="文本框 8"/>
+          <p:cNvSpPr txBox="1"/>
+          <p:nvPr/>
+        </p:nvSpPr>
+        <p:spPr>
+          <a:xfrm>
+            <a:off x="10514330" y="1236345"/>
+            <a:ext cx="1405890" cy="252730"/>
+          </a:xfrm>
+          <a:prstGeom prst="rect">
+            <a:avLst/>
+          </a:prstGeom>
+          <a:noFill/>
+        </p:spPr>
+        <p:txBody>
+          <a:bodyPr wrap="square" rtlCol="0">
+            <a:spAutoFit/>
+          </a:bodyPr>
+          <a:p>
+            <a:r>
+              <a:rPr lang="zh-CN" altLang="en-US" sz="1050" dirty="0"/>
+              <a:t>是否开启自动曝光</a:t>
+            </a:r>
+            <a:endParaRPr lang="zh-CN" altLang="en-US" sz="1050" dirty="0"/>
+          </a:p>
+        </p:txBody>
+      </p:sp>
+      <p:cxnSp>
+        <p:nvCxnSpPr>
+          <p:cNvPr id="10" name="直接箭头连接符 9"/>
+          <p:cNvCxnSpPr/>
+          <p:nvPr/>
+        </p:nvCxnSpPr>
+        <p:spPr>
+          <a:xfrm flipV="1">
+            <a:off x="8656955" y="1947545"/>
+            <a:ext cx="1510030" cy="641350"/>
+          </a:xfrm>
+          <a:prstGeom prst="straightConnector1">
+            <a:avLst/>
+          </a:prstGeom>
+          <a:ln>
+            <a:tailEnd type="triangle"/>
+          </a:ln>
+        </p:spPr>
+        <p:style>
+          <a:lnRef idx="3">
+            <a:schemeClr val="accent4"/>
+          </a:lnRef>
+          <a:fillRef idx="0">
+            <a:schemeClr val="accent4"/>
+          </a:fillRef>
+          <a:effectRef idx="2">
+            <a:schemeClr val="accent4"/>
+          </a:effectRef>
+          <a:fontRef idx="minor">
+            <a:schemeClr val="tx1"/>
+          </a:fontRef>
+        </p:style>
+      </p:cxnSp>
+      <p:sp>
+        <p:nvSpPr>
+          <p:cNvPr id="11" name="文本框 10"/>
+          <p:cNvSpPr txBox="1"/>
+          <p:nvPr/>
+        </p:nvSpPr>
+        <p:spPr>
+          <a:xfrm>
+            <a:off x="10393680" y="1834515"/>
+            <a:ext cx="1405890" cy="1222375"/>
+          </a:xfrm>
+          <a:prstGeom prst="rect">
+            <a:avLst/>
+          </a:prstGeom>
+          <a:noFill/>
+        </p:spPr>
+        <p:txBody>
+          <a:bodyPr wrap="square" rtlCol="0">
+            <a:spAutoFit/>
+          </a:bodyPr>
+          <a:p>
+            <a:r>
+              <a:rPr lang="zh-CN" altLang="en-US" sz="1050" dirty="0"/>
+              <a:t>手动曝光和增益调节，越右边越明亮。注意过大的增益会导致过量噪点，影响数据稳定。在自动曝光不适当的情况下请酌情调节。</a:t>
+            </a:r>
+            <a:endParaRPr lang="en-US" altLang="zh-CN" sz="1050" dirty="0"/>
           </a:p>
         </p:txBody>
       </p:sp>
